--- a/admin/timeline.pptx
+++ b/admin/timeline.pptx
@@ -1623,13 +1623,15 @@
       <p:cxnSp>
         <p:nvCxnSpPr>
           <p:cNvPr id="12" name="Straight Arrow Connector 11"/>
-          <p:cNvCxnSpPr/>
+          <p:cNvCxnSpPr>
+            <a:stCxn id="8" idx="0"/>
+          </p:cNvCxnSpPr>
           <p:nvPr/>
         </p:nvCxnSpPr>
         <p:spPr bwMode="auto">
           <a:xfrm flipV="1">
-            <a:off x="1151128" y="584685"/>
-            <a:ext cx="0" cy="2283352"/>
+            <a:off x="1074012" y="702717"/>
+            <a:ext cx="0" cy="187678"/>
           </a:xfrm>
           <a:prstGeom prst="straightConnector1">
             <a:avLst/>
@@ -1681,13 +1683,15 @@
       <p:cxnSp>
         <p:nvCxnSpPr>
           <p:cNvPr id="32" name="Straight Arrow Connector 31"/>
-          <p:cNvCxnSpPr/>
+          <p:cNvCxnSpPr>
+            <a:stCxn id="34" idx="1"/>
+          </p:cNvCxnSpPr>
           <p:nvPr/>
         </p:nvCxnSpPr>
         <p:spPr bwMode="auto">
           <a:xfrm flipV="1">
             <a:off x="2627784" y="702717"/>
-            <a:ext cx="0" cy="1447562"/>
+            <a:ext cx="0" cy="683057"/>
           </a:xfrm>
           <a:prstGeom prst="straightConnector1">
             <a:avLst/>
@@ -1715,8 +1719,8 @@
         </p:nvSpPr>
         <p:spPr>
           <a:xfrm>
-            <a:off x="2627784" y="980728"/>
-            <a:ext cx="1145378" cy="1169551"/>
+            <a:off x="2627784" y="908720"/>
+            <a:ext cx="1145378" cy="954107"/>
           </a:xfrm>
           <a:prstGeom prst="rect">
             <a:avLst/>
@@ -1767,15 +1771,10 @@
           </a:p>
           <a:p>
             <a:r>
-              <a:rPr lang="en-US" dirty="0"/>
+              <a:rPr lang="en-US" dirty="0" smtClean="0"/>
               <a:t>PT</a:t>
             </a:r>
-          </a:p>
-          <a:p>
-            <a:r>
-              <a:rPr lang="en-US" dirty="0"/>
-              <a:t>via</a:t>
-            </a:r>
+            <a:endParaRPr lang="en-US" dirty="0"/>
           </a:p>
         </p:txBody>
       </p:sp>
@@ -1833,13 +1832,7 @@
               <a:rPr lang="en-US" sz="1800" dirty="0">
                 <a:latin typeface="Calibri" panose="020F0502020204030204" pitchFamily="34" charset="0"/>
               </a:rPr>
-              <a:t>e</a:t>
-            </a:r>
-            <a:r>
-              <a:rPr lang="en-US" sz="1800" dirty="0">
-                <a:latin typeface="Calibri" panose="020F0502020204030204" pitchFamily="34" charset="0"/>
-              </a:rPr>
-              <a:t>xternal copy editing</a:t>
+              <a:t>external copy editing</a:t>
             </a:r>
           </a:p>
         </p:txBody>
@@ -2169,8 +2162,8 @@
         </p:nvSpPr>
         <p:spPr>
           <a:xfrm>
-            <a:off x="326222" y="890395"/>
-            <a:ext cx="1649811" cy="2462213"/>
+            <a:off x="384336" y="890395"/>
+            <a:ext cx="1379352" cy="1169551"/>
           </a:xfrm>
           <a:prstGeom prst="rect">
             <a:avLst/>
@@ -2198,9 +2191,6 @@
               </a:rPr>
               <a:t>Air Transport</a:t>
             </a:r>
-            <a:endParaRPr lang="en-US" sz="1400" dirty="0" smtClean="0">
-              <a:latin typeface="Calibri" panose="020F0502020204030204" pitchFamily="34" charset="0"/>
-            </a:endParaRPr>
           </a:p>
           <a:p>
             <a:r>
@@ -2223,73 +2213,13 @@
               <a:rPr lang="en-US" sz="1400" dirty="0" smtClean="0">
                 <a:latin typeface="Calibri" panose="020F0502020204030204" pitchFamily="34" charset="0"/>
               </a:rPr>
-              <a:t>Research </a:t>
+              <a:t>SF </a:t>
             </a:r>
             <a:r>
               <a:rPr lang="en-US" sz="1400" dirty="0" smtClean="0">
                 <a:latin typeface="Calibri" panose="020F0502020204030204" pitchFamily="34" charset="0"/>
               </a:rPr>
-              <a:t>Avenues</a:t>
-            </a:r>
-          </a:p>
-          <a:p>
-            <a:r>
-              <a:rPr lang="en-US" sz="1400" dirty="0" smtClean="0">
-                <a:latin typeface="Calibri" panose="020F0502020204030204" pitchFamily="34" charset="0"/>
-              </a:rPr>
-              <a:t>ABDA</a:t>
-            </a:r>
-          </a:p>
-          <a:p>
-            <a:r>
-              <a:rPr lang="en-US" sz="1400" dirty="0" err="1" smtClean="0">
-                <a:latin typeface="Calibri" panose="020F0502020204030204" pitchFamily="34" charset="0"/>
-              </a:rPr>
-              <a:t>Roadpricing</a:t>
-            </a:r>
-            <a:endParaRPr lang="en-US" sz="1400" dirty="0" smtClean="0">
-              <a:latin typeface="Calibri" panose="020F0502020204030204" pitchFamily="34" charset="0"/>
-            </a:endParaRPr>
-          </a:p>
-          <a:p>
-            <a:r>
-              <a:rPr lang="en-US" sz="1400" dirty="0" err="1" smtClean="0">
-                <a:latin typeface="Calibri" panose="020F0502020204030204" pitchFamily="34" charset="0"/>
-              </a:rPr>
-              <a:t>Cadyts</a:t>
-            </a:r>
-            <a:endParaRPr lang="en-US" sz="1400" dirty="0" smtClean="0">
-              <a:latin typeface="Calibri" panose="020F0502020204030204" pitchFamily="34" charset="0"/>
-            </a:endParaRPr>
-          </a:p>
-          <a:p>
-            <a:r>
-              <a:rPr lang="en-US" sz="1400" dirty="0" smtClean="0">
-                <a:latin typeface="Calibri" panose="020F0502020204030204" pitchFamily="34" charset="0"/>
-              </a:rPr>
-              <a:t>MATSim4Urbansim</a:t>
-            </a:r>
-          </a:p>
-          <a:p>
-            <a:r>
-              <a:rPr lang="en-US" sz="1400" dirty="0" smtClean="0">
-                <a:latin typeface="Calibri" panose="020F0502020204030204" pitchFamily="34" charset="0"/>
-              </a:rPr>
-              <a:t>Philippines </a:t>
-            </a:r>
-            <a:r>
-              <a:rPr lang="en-US" sz="1400" dirty="0" smtClean="0">
-                <a:latin typeface="Calibri" panose="020F0502020204030204" pitchFamily="34" charset="0"/>
-              </a:rPr>
-              <a:t>Scenario</a:t>
-            </a:r>
-          </a:p>
-          <a:p>
-            <a:r>
-              <a:rPr lang="en-US" sz="1400" dirty="0" smtClean="0">
-                <a:latin typeface="Calibri" panose="020F0502020204030204" pitchFamily="34" charset="0"/>
-              </a:rPr>
-              <a:t>SF Bay Scenario</a:t>
+              <a:t>Bay Scenario</a:t>
             </a:r>
           </a:p>
           <a:p>
@@ -2313,8 +2243,8 @@
         </p:nvSpPr>
         <p:spPr>
           <a:xfrm>
-            <a:off x="2226808" y="2420888"/>
-            <a:ext cx="1399742" cy="954107"/>
+            <a:off x="2226808" y="1988840"/>
+            <a:ext cx="1581972" cy="2246769"/>
           </a:xfrm>
           <a:prstGeom prst="rect">
             <a:avLst/>
@@ -2369,12 +2299,46 @@
               <a:t>London </a:t>
             </a:r>
             <a:r>
+              <a:rPr lang="en-US" dirty="0" smtClean="0"/>
+              <a:t>Scenario</a:t>
+            </a:r>
+          </a:p>
+          <a:p>
+            <a:r>
               <a:rPr lang="en-US" dirty="0"/>
-              <a:t>S</a:t>
-            </a:r>
-            <a:r>
-              <a:rPr lang="en-US" dirty="0" smtClean="0"/>
-              <a:t>cenario</a:t>
+              <a:t>Research Avenues</a:t>
+            </a:r>
+          </a:p>
+          <a:p>
+            <a:r>
+              <a:rPr lang="en-US" dirty="0"/>
+              <a:t>ABDA</a:t>
+            </a:r>
+          </a:p>
+          <a:p>
+            <a:r>
+              <a:rPr lang="en-US" dirty="0"/>
+              <a:t>MATSim4Urbansim</a:t>
+            </a:r>
+          </a:p>
+          <a:p>
+            <a:r>
+              <a:rPr lang="en-US" dirty="0" err="1"/>
+              <a:t>Cadyts</a:t>
+            </a:r>
+            <a:endParaRPr lang="en-US" dirty="0"/>
+          </a:p>
+          <a:p>
+            <a:r>
+              <a:rPr lang="en-US" dirty="0" err="1"/>
+              <a:t>OTFVis</a:t>
+            </a:r>
+            <a:endParaRPr lang="en-US" dirty="0"/>
+          </a:p>
+          <a:p>
+            <a:r>
+              <a:rPr lang="en-US" dirty="0" err="1" smtClean="0"/>
+              <a:t>Roadpricing</a:t>
             </a:r>
             <a:endParaRPr lang="en-US" dirty="0"/>
           </a:p>

--- a/admin/timeline.pptx
+++ b/admin/timeline.pptx
@@ -2213,13 +2213,7 @@
               <a:rPr lang="en-US" sz="1400" dirty="0" smtClean="0">
                 <a:latin typeface="Calibri" panose="020F0502020204030204" pitchFamily="34" charset="0"/>
               </a:rPr>
-              <a:t>SF </a:t>
-            </a:r>
-            <a:r>
-              <a:rPr lang="en-US" sz="1400" dirty="0" smtClean="0">
-                <a:latin typeface="Calibri" panose="020F0502020204030204" pitchFamily="34" charset="0"/>
-              </a:rPr>
-              <a:t>Bay Scenario</a:t>
+              <a:t>SF Bay Scenario</a:t>
             </a:r>
           </a:p>
           <a:p>
@@ -2244,7 +2238,7 @@
         <p:spPr>
           <a:xfrm>
             <a:off x="2226808" y="1988840"/>
-            <a:ext cx="1581972" cy="2246769"/>
+            <a:ext cx="1581972" cy="2031325"/>
           </a:xfrm>
           <a:prstGeom prst="rect">
             <a:avLst/>
@@ -2296,11 +2290,7 @@
           <a:p>
             <a:r>
               <a:rPr lang="en-US" dirty="0" smtClean="0"/>
-              <a:t>London </a:t>
-            </a:r>
-            <a:r>
-              <a:rPr lang="en-US" dirty="0" smtClean="0"/>
-              <a:t>Scenario</a:t>
+              <a:t>London Scenario</a:t>
             </a:r>
           </a:p>
           <a:p>
@@ -2330,14 +2320,7 @@
           </a:p>
           <a:p>
             <a:r>
-              <a:rPr lang="en-US" dirty="0" err="1"/>
-              <a:t>OTFVis</a:t>
-            </a:r>
-            <a:endParaRPr lang="en-US" dirty="0"/>
-          </a:p>
-          <a:p>
-            <a:r>
-              <a:rPr lang="en-US" dirty="0" err="1" smtClean="0"/>
+              <a:rPr lang="en-US" smtClean="0"/>
               <a:t>Roadpricing</a:t>
             </a:r>
             <a:endParaRPr lang="en-US" dirty="0"/>

--- a/admin/timeline.pptx
+++ b/admin/timeline.pptx
@@ -2163,7 +2163,7 @@
         <p:spPr>
           <a:xfrm>
             <a:off x="384336" y="890395"/>
-            <a:ext cx="1379352" cy="1169551"/>
+            <a:ext cx="1379352" cy="954107"/>
           </a:xfrm>
           <a:prstGeom prst="rect">
             <a:avLst/>
@@ -2189,16 +2189,11 @@
               <a:rPr lang="en-US" sz="1400" dirty="0" smtClean="0">
                 <a:latin typeface="Calibri" panose="020F0502020204030204" pitchFamily="34" charset="0"/>
               </a:rPr>
-              <a:t>Air Transport</a:t>
-            </a:r>
-          </a:p>
-          <a:p>
-            <a:r>
-              <a:rPr lang="en-US" sz="1400" dirty="0">
-                <a:latin typeface="Calibri" panose="020F0502020204030204" pitchFamily="34" charset="0"/>
-              </a:rPr>
               <a:t>DTS</a:t>
             </a:r>
+            <a:endParaRPr lang="en-US" sz="1400" dirty="0">
+              <a:latin typeface="Calibri" panose="020F0502020204030204" pitchFamily="34" charset="0"/>
+            </a:endParaRPr>
           </a:p>
           <a:p>
             <a:r>

--- a/admin/timeline.pptx
+++ b/admin/timeline.pptx
@@ -1622,16 +1622,14 @@
       </p:graphicFrame>
       <p:cxnSp>
         <p:nvCxnSpPr>
-          <p:cNvPr id="12" name="Straight Arrow Connector 11"/>
-          <p:cNvCxnSpPr>
-            <a:stCxn id="8" idx="0"/>
-          </p:cNvCxnSpPr>
+          <p:cNvPr id="29" name="Straight Arrow Connector 28"/>
+          <p:cNvCxnSpPr/>
           <p:nvPr/>
         </p:nvCxnSpPr>
         <p:spPr bwMode="auto">
           <a:xfrm flipV="1">
-            <a:off x="1074012" y="702717"/>
-            <a:ext cx="0" cy="187678"/>
+            <a:off x="2411760" y="702942"/>
+            <a:ext cx="0" cy="637826"/>
           </a:xfrm>
           <a:prstGeom prst="straightConnector1">
             <a:avLst/>
@@ -1639,7 +1637,7 @@
           <a:solidFill>
             <a:schemeClr val="accent1"/>
           </a:solidFill>
-          <a:ln w="9525" cap="flat" cmpd="sng" algn="ctr">
+          <a:ln w="12700" cap="flat" cmpd="sng" algn="ctr">
             <a:solidFill>
               <a:schemeClr val="tx1"/>
             </a:solidFill>
@@ -1651,133 +1649,6 @@
           <a:effectLst/>
         </p:spPr>
       </p:cxnSp>
-      <p:cxnSp>
-        <p:nvCxnSpPr>
-          <p:cNvPr id="29" name="Straight Arrow Connector 28"/>
-          <p:cNvCxnSpPr/>
-          <p:nvPr/>
-        </p:nvCxnSpPr>
-        <p:spPr bwMode="auto">
-          <a:xfrm flipV="1">
-            <a:off x="2226808" y="702940"/>
-            <a:ext cx="0" cy="2672055"/>
-          </a:xfrm>
-          <a:prstGeom prst="straightConnector1">
-            <a:avLst/>
-          </a:prstGeom>
-          <a:solidFill>
-            <a:schemeClr val="accent1"/>
-          </a:solidFill>
-          <a:ln w="9525" cap="flat" cmpd="sng" algn="ctr">
-            <a:solidFill>
-              <a:schemeClr val="tx1"/>
-            </a:solidFill>
-            <a:prstDash val="solid"/>
-            <a:round/>
-            <a:headEnd type="none" w="med" len="med"/>
-            <a:tailEnd type="arrow"/>
-          </a:ln>
-          <a:effectLst/>
-        </p:spPr>
-      </p:cxnSp>
-      <p:cxnSp>
-        <p:nvCxnSpPr>
-          <p:cNvPr id="32" name="Straight Arrow Connector 31"/>
-          <p:cNvCxnSpPr>
-            <a:stCxn id="34" idx="1"/>
-          </p:cNvCxnSpPr>
-          <p:nvPr/>
-        </p:nvCxnSpPr>
-        <p:spPr bwMode="auto">
-          <a:xfrm flipV="1">
-            <a:off x="2627784" y="702717"/>
-            <a:ext cx="0" cy="683057"/>
-          </a:xfrm>
-          <a:prstGeom prst="straightConnector1">
-            <a:avLst/>
-          </a:prstGeom>
-          <a:solidFill>
-            <a:schemeClr val="accent1"/>
-          </a:solidFill>
-          <a:ln w="9525" cap="flat" cmpd="sng" algn="ctr">
-            <a:solidFill>
-              <a:schemeClr val="tx1"/>
-            </a:solidFill>
-            <a:prstDash val="solid"/>
-            <a:round/>
-            <a:headEnd type="none" w="med" len="med"/>
-            <a:tailEnd type="arrow"/>
-          </a:ln>
-          <a:effectLst/>
-        </p:spPr>
-      </p:cxnSp>
-      <p:sp>
-        <p:nvSpPr>
-          <p:cNvPr id="34" name="TextBox 33"/>
-          <p:cNvSpPr txBox="1"/>
-          <p:nvPr/>
-        </p:nvSpPr>
-        <p:spPr>
-          <a:xfrm>
-            <a:off x="2627784" y="908720"/>
-            <a:ext cx="1145378" cy="954107"/>
-          </a:xfrm>
-          <a:prstGeom prst="rect">
-            <a:avLst/>
-          </a:prstGeom>
-          <a:solidFill>
-            <a:schemeClr val="bg1">
-              <a:lumMod val="95000"/>
-            </a:schemeClr>
-          </a:solidFill>
-          <a:ln>
-            <a:solidFill>
-              <a:schemeClr val="tx1"/>
-            </a:solidFill>
-          </a:ln>
-        </p:spPr>
-        <p:txBody>
-          <a:bodyPr wrap="none" rtlCol="0">
-            <a:spAutoFit/>
-          </a:bodyPr>
-          <a:lstStyle>
-            <a:defPPr>
-              <a:defRPr lang="en-US"/>
-            </a:defPPr>
-            <a:lvl1pPr>
-              <a:defRPr sz="1400">
-                <a:latin typeface="Calibri" panose="020F0502020204030204" pitchFamily="34" charset="0"/>
-              </a:defRPr>
-            </a:lvl1pPr>
-          </a:lstStyle>
-          <a:p>
-            <a:r>
-              <a:rPr lang="en-US" dirty="0" err="1"/>
-              <a:t>wagonSim</a:t>
-            </a:r>
-            <a:endParaRPr lang="en-US" dirty="0"/>
-          </a:p>
-          <a:p>
-            <a:r>
-              <a:rPr lang="en-US" dirty="0"/>
-              <a:t>NYC Scenario</a:t>
-            </a:r>
-          </a:p>
-          <a:p>
-            <a:r>
-              <a:rPr lang="en-US" dirty="0"/>
-              <a:t>LA Scenario</a:t>
-            </a:r>
-          </a:p>
-          <a:p>
-            <a:r>
-              <a:rPr lang="en-US" dirty="0" smtClean="0"/>
-              <a:t>PT</a:t>
-            </a:r>
-            <a:endParaRPr lang="en-US" dirty="0"/>
-          </a:p>
-        </p:txBody>
-      </p:sp>
       <p:sp>
         <p:nvSpPr>
           <p:cNvPr id="40" name="Rectangle 39"/>
@@ -2156,174 +2027,6 @@
       </p:cxnSp>
       <p:sp>
         <p:nvSpPr>
-          <p:cNvPr id="8" name="TextBox 7"/>
-          <p:cNvSpPr txBox="1"/>
-          <p:nvPr/>
-        </p:nvSpPr>
-        <p:spPr>
-          <a:xfrm>
-            <a:off x="384336" y="890395"/>
-            <a:ext cx="1379352" cy="954107"/>
-          </a:xfrm>
-          <a:prstGeom prst="rect">
-            <a:avLst/>
-          </a:prstGeom>
-          <a:solidFill>
-            <a:schemeClr val="bg1">
-              <a:lumMod val="95000"/>
-            </a:schemeClr>
-          </a:solidFill>
-          <a:ln>
-            <a:solidFill>
-              <a:schemeClr val="tx1"/>
-            </a:solidFill>
-          </a:ln>
-        </p:spPr>
-        <p:txBody>
-          <a:bodyPr wrap="none" rtlCol="0">
-            <a:spAutoFit/>
-          </a:bodyPr>
-          <a:lstStyle/>
-          <a:p>
-            <a:r>
-              <a:rPr lang="en-US" sz="1400" dirty="0" smtClean="0">
-                <a:latin typeface="Calibri" panose="020F0502020204030204" pitchFamily="34" charset="0"/>
-              </a:rPr>
-              <a:t>DTS</a:t>
-            </a:r>
-            <a:endParaRPr lang="en-US" sz="1400" dirty="0">
-              <a:latin typeface="Calibri" panose="020F0502020204030204" pitchFamily="34" charset="0"/>
-            </a:endParaRPr>
-          </a:p>
-          <a:p>
-            <a:r>
-              <a:rPr lang="en-US" sz="1400" dirty="0">
-                <a:latin typeface="Calibri" panose="020F0502020204030204" pitchFamily="34" charset="0"/>
-              </a:rPr>
-              <a:t>Poznan Scenario</a:t>
-            </a:r>
-          </a:p>
-          <a:p>
-            <a:r>
-              <a:rPr lang="en-US" sz="1400" dirty="0" smtClean="0">
-                <a:latin typeface="Calibri" panose="020F0502020204030204" pitchFamily="34" charset="0"/>
-              </a:rPr>
-              <a:t>SF Bay Scenario</a:t>
-            </a:r>
-          </a:p>
-          <a:p>
-            <a:r>
-              <a:rPr lang="en-US" sz="1400" dirty="0" smtClean="0">
-                <a:latin typeface="Calibri" panose="020F0502020204030204" pitchFamily="34" charset="0"/>
-              </a:rPr>
-              <a:t>Accessibility</a:t>
-            </a:r>
-            <a:endParaRPr lang="en-US" sz="1400" dirty="0">
-              <a:latin typeface="Calibri" panose="020F0502020204030204" pitchFamily="34" charset="0"/>
-            </a:endParaRPr>
-          </a:p>
-        </p:txBody>
-      </p:sp>
-      <p:sp>
-        <p:nvSpPr>
-          <p:cNvPr id="28" name="TextBox 27"/>
-          <p:cNvSpPr txBox="1"/>
-          <p:nvPr/>
-        </p:nvSpPr>
-        <p:spPr>
-          <a:xfrm>
-            <a:off x="2226808" y="1988840"/>
-            <a:ext cx="1581972" cy="2031325"/>
-          </a:xfrm>
-          <a:prstGeom prst="rect">
-            <a:avLst/>
-          </a:prstGeom>
-          <a:solidFill>
-            <a:schemeClr val="bg1">
-              <a:lumMod val="95000"/>
-            </a:schemeClr>
-          </a:solidFill>
-          <a:ln>
-            <a:solidFill>
-              <a:schemeClr val="tx1"/>
-            </a:solidFill>
-          </a:ln>
-        </p:spPr>
-        <p:txBody>
-          <a:bodyPr wrap="none" rtlCol="0">
-            <a:spAutoFit/>
-          </a:bodyPr>
-          <a:lstStyle>
-            <a:defPPr>
-              <a:defRPr lang="en-US"/>
-            </a:defPPr>
-            <a:lvl1pPr>
-              <a:defRPr sz="1400">
-                <a:latin typeface="Calibri" panose="020F0502020204030204" pitchFamily="34" charset="0"/>
-              </a:defRPr>
-            </a:lvl1pPr>
-          </a:lstStyle>
-          <a:p>
-            <a:r>
-              <a:rPr lang="en-US" dirty="0" smtClean="0"/>
-              <a:t>El Vehicles</a:t>
-            </a:r>
-          </a:p>
-          <a:p>
-            <a:r>
-              <a:rPr lang="en-US" dirty="0" smtClean="0"/>
-              <a:t>Parking</a:t>
-            </a:r>
-          </a:p>
-          <a:p>
-            <a:r>
-              <a:rPr lang="en-US" dirty="0" smtClean="0"/>
-              <a:t>Tampa Scenario</a:t>
-            </a:r>
-            <a:endParaRPr lang="en-US" dirty="0"/>
-          </a:p>
-          <a:p>
-            <a:r>
-              <a:rPr lang="en-US" dirty="0" smtClean="0"/>
-              <a:t>London Scenario</a:t>
-            </a:r>
-          </a:p>
-          <a:p>
-            <a:r>
-              <a:rPr lang="en-US" dirty="0"/>
-              <a:t>Research Avenues</a:t>
-            </a:r>
-          </a:p>
-          <a:p>
-            <a:r>
-              <a:rPr lang="en-US" dirty="0"/>
-              <a:t>ABDA</a:t>
-            </a:r>
-          </a:p>
-          <a:p>
-            <a:r>
-              <a:rPr lang="en-US" dirty="0"/>
-              <a:t>MATSim4Urbansim</a:t>
-            </a:r>
-          </a:p>
-          <a:p>
-            <a:r>
-              <a:rPr lang="en-US" dirty="0" err="1"/>
-              <a:t>Cadyts</a:t>
-            </a:r>
-            <a:endParaRPr lang="en-US" dirty="0"/>
-          </a:p>
-          <a:p>
-            <a:r>
-              <a:rPr lang="en-US" smtClean="0"/>
-              <a:t>Roadpricing</a:t>
-            </a:r>
-            <a:endParaRPr lang="en-US" dirty="0"/>
-          </a:p>
-        </p:txBody>
-      </p:sp>
-      <p:sp>
-        <p:nvSpPr>
           <p:cNvPr id="2" name="TextBox 1"/>
           <p:cNvSpPr txBox="1"/>
           <p:nvPr/>
@@ -2426,6 +2129,268 @@
           </a:p>
         </p:txBody>
       </p:sp>
+      <p:sp>
+        <p:nvSpPr>
+          <p:cNvPr id="28" name="TextBox 27"/>
+          <p:cNvSpPr txBox="1"/>
+          <p:nvPr/>
+        </p:nvSpPr>
+        <p:spPr>
+          <a:xfrm>
+            <a:off x="354600" y="1340768"/>
+            <a:ext cx="3744416" cy="2520280"/>
+          </a:xfrm>
+          <a:prstGeom prst="rect">
+            <a:avLst/>
+          </a:prstGeom>
+          <a:solidFill>
+            <a:schemeClr val="bg1">
+              <a:lumMod val="95000"/>
+            </a:schemeClr>
+          </a:solidFill>
+          <a:ln>
+            <a:solidFill>
+              <a:schemeClr val="tx1"/>
+            </a:solidFill>
+          </a:ln>
+        </p:spPr>
+        <p:txBody>
+          <a:bodyPr wrap="square" numCol="2" rtlCol="0">
+            <a:noAutofit/>
+          </a:bodyPr>
+          <a:lstStyle>
+            <a:defPPr>
+              <a:defRPr lang="en-US"/>
+            </a:defPPr>
+            <a:lvl1pPr>
+              <a:defRPr sz="1400">
+                <a:latin typeface="Calibri" panose="020F0502020204030204" pitchFamily="34" charset="0"/>
+              </a:defRPr>
+            </a:lvl1pPr>
+          </a:lstStyle>
+          <a:p>
+            <a:r>
+              <a:rPr lang="en-US" dirty="0" smtClean="0"/>
+              <a:t>Tampa Scenario</a:t>
+            </a:r>
+            <a:endParaRPr lang="en-US" dirty="0"/>
+          </a:p>
+          <a:p>
+            <a:r>
+              <a:rPr lang="en-US" dirty="0" smtClean="0"/>
+              <a:t>London Scenario</a:t>
+            </a:r>
+          </a:p>
+          <a:p>
+            <a:r>
+              <a:rPr lang="en-US" dirty="0"/>
+              <a:t>NYC Scenario</a:t>
+            </a:r>
+          </a:p>
+          <a:p>
+            <a:r>
+              <a:rPr lang="en-US" dirty="0"/>
+              <a:t>LA Scenario</a:t>
+            </a:r>
+          </a:p>
+          <a:p>
+            <a:r>
+              <a:rPr lang="en-US" dirty="0"/>
+              <a:t>Poznan Scenario</a:t>
+            </a:r>
+          </a:p>
+          <a:p>
+            <a:r>
+              <a:rPr lang="en-US" dirty="0"/>
+              <a:t>SF Bay </a:t>
+            </a:r>
+            <a:r>
+              <a:rPr lang="en-US" dirty="0" smtClean="0"/>
+              <a:t>Scenario</a:t>
+            </a:r>
+          </a:p>
+          <a:p>
+            <a:endParaRPr lang="en-US" dirty="0"/>
+          </a:p>
+          <a:p>
+            <a:r>
+              <a:rPr lang="en-US" dirty="0"/>
+              <a:t>DTS</a:t>
+            </a:r>
+          </a:p>
+          <a:p>
+            <a:r>
+              <a:rPr lang="en-US" dirty="0"/>
+              <a:t>Accessibility</a:t>
+            </a:r>
+          </a:p>
+          <a:p>
+            <a:r>
+              <a:rPr lang="en-US" dirty="0" smtClean="0"/>
+              <a:t>PT</a:t>
+            </a:r>
+          </a:p>
+          <a:p>
+            <a:r>
+              <a:rPr lang="en-US" dirty="0" smtClean="0"/>
+              <a:t>El </a:t>
+            </a:r>
+            <a:r>
+              <a:rPr lang="en-US" dirty="0"/>
+              <a:t>Vehicles</a:t>
+            </a:r>
+          </a:p>
+          <a:p>
+            <a:r>
+              <a:rPr lang="en-US" dirty="0" smtClean="0"/>
+              <a:t>Parking</a:t>
+            </a:r>
+          </a:p>
+          <a:p>
+            <a:r>
+              <a:rPr lang="en-US" dirty="0" err="1"/>
+              <a:t>wagonSim</a:t>
+            </a:r>
+            <a:endParaRPr lang="en-US" dirty="0"/>
+          </a:p>
+          <a:p>
+            <a:r>
+              <a:rPr lang="en-US" dirty="0" smtClean="0"/>
+              <a:t>MATSim4Urbansim</a:t>
+            </a:r>
+            <a:endParaRPr lang="en-US" dirty="0"/>
+          </a:p>
+          <a:p>
+            <a:r>
+              <a:rPr lang="en-US" dirty="0" err="1"/>
+              <a:t>Cadyts</a:t>
+            </a:r>
+            <a:endParaRPr lang="en-US" dirty="0"/>
+          </a:p>
+          <a:p>
+            <a:r>
+              <a:rPr lang="en-US" dirty="0" err="1" smtClean="0"/>
+              <a:t>Roadpricing</a:t>
+            </a:r>
+            <a:endParaRPr lang="en-US" dirty="0" smtClean="0"/>
+          </a:p>
+          <a:p>
+            <a:r>
+              <a:rPr lang="en-US" dirty="0" err="1" smtClean="0"/>
+              <a:t>OTFVis</a:t>
+            </a:r>
+            <a:endParaRPr lang="en-US" dirty="0" smtClean="0"/>
+          </a:p>
+          <a:p>
+            <a:endParaRPr lang="en-US" dirty="0"/>
+          </a:p>
+          <a:p>
+            <a:endParaRPr lang="en-US" dirty="0" smtClean="0"/>
+          </a:p>
+          <a:p>
+            <a:r>
+              <a:rPr lang="en-US" dirty="0" smtClean="0"/>
+              <a:t>ABTA</a:t>
+            </a:r>
+          </a:p>
+          <a:p>
+            <a:r>
+              <a:rPr lang="en-US" dirty="0"/>
+              <a:t>Research Avenues</a:t>
+            </a:r>
+          </a:p>
+          <a:p>
+            <a:endParaRPr lang="en-US" dirty="0"/>
+          </a:p>
+        </p:txBody>
+      </p:sp>
+      <p:cxnSp>
+        <p:nvCxnSpPr>
+          <p:cNvPr id="18" name="Straight Arrow Connector 17"/>
+          <p:cNvCxnSpPr/>
+          <p:nvPr/>
+        </p:nvCxnSpPr>
+        <p:spPr bwMode="auto">
+          <a:xfrm flipV="1">
+            <a:off x="2051720" y="702942"/>
+            <a:ext cx="0" cy="637826"/>
+          </a:xfrm>
+          <a:prstGeom prst="straightConnector1">
+            <a:avLst/>
+          </a:prstGeom>
+          <a:solidFill>
+            <a:schemeClr val="accent1"/>
+          </a:solidFill>
+          <a:ln w="15875" cap="flat" cmpd="sng" algn="ctr">
+            <a:solidFill>
+              <a:schemeClr val="tx1"/>
+            </a:solidFill>
+            <a:prstDash val="solid"/>
+            <a:round/>
+            <a:headEnd type="none" w="med" len="med"/>
+            <a:tailEnd type="arrow"/>
+          </a:ln>
+          <a:effectLst/>
+        </p:spPr>
+      </p:cxnSp>
+      <p:cxnSp>
+        <p:nvCxnSpPr>
+          <p:cNvPr id="19" name="Straight Arrow Connector 18"/>
+          <p:cNvCxnSpPr/>
+          <p:nvPr/>
+        </p:nvCxnSpPr>
+        <p:spPr bwMode="auto">
+          <a:xfrm flipV="1">
+            <a:off x="1691680" y="702942"/>
+            <a:ext cx="0" cy="637826"/>
+          </a:xfrm>
+          <a:prstGeom prst="straightConnector1">
+            <a:avLst/>
+          </a:prstGeom>
+          <a:solidFill>
+            <a:schemeClr val="accent1"/>
+          </a:solidFill>
+          <a:ln w="22225" cap="flat" cmpd="sng" algn="ctr">
+            <a:solidFill>
+              <a:schemeClr val="tx1"/>
+            </a:solidFill>
+            <a:prstDash val="solid"/>
+            <a:round/>
+            <a:headEnd type="none" w="med" len="med"/>
+            <a:tailEnd type="arrow"/>
+          </a:ln>
+          <a:effectLst/>
+        </p:spPr>
+      </p:cxnSp>
+      <p:cxnSp>
+        <p:nvCxnSpPr>
+          <p:cNvPr id="20" name="Straight Arrow Connector 19"/>
+          <p:cNvCxnSpPr/>
+          <p:nvPr/>
+        </p:nvCxnSpPr>
+        <p:spPr bwMode="auto">
+          <a:xfrm flipV="1">
+            <a:off x="2771800" y="702942"/>
+            <a:ext cx="0" cy="637826"/>
+          </a:xfrm>
+          <a:prstGeom prst="straightConnector1">
+            <a:avLst/>
+          </a:prstGeom>
+          <a:solidFill>
+            <a:schemeClr val="accent1"/>
+          </a:solidFill>
+          <a:ln w="9525" cap="flat" cmpd="sng" algn="ctr">
+            <a:solidFill>
+              <a:schemeClr val="tx1"/>
+            </a:solidFill>
+            <a:prstDash val="dash"/>
+            <a:round/>
+            <a:headEnd type="none" w="med" len="med"/>
+            <a:tailEnd type="arrow"/>
+          </a:ln>
+          <a:effectLst/>
+        </p:spPr>
+      </p:cxnSp>
     </p:spTree>
     <p:extLst>
       <p:ext uri="{BB962C8B-B14F-4D97-AF65-F5344CB8AC3E}">

--- a/admin/timeline.pptx
+++ b/admin/timeline.pptx
@@ -1629,7 +1629,7 @@
         <p:spPr bwMode="auto">
           <a:xfrm flipV="1">
             <a:off x="2411760" y="702942"/>
-            <a:ext cx="0" cy="637826"/>
+            <a:ext cx="0" cy="925858"/>
           </a:xfrm>
           <a:prstGeom prst="straightConnector1">
             <a:avLst/>
@@ -2137,8 +2137,8 @@
         </p:nvSpPr>
         <p:spPr>
           <a:xfrm>
-            <a:off x="354600" y="1340768"/>
-            <a:ext cx="3744416" cy="2520280"/>
+            <a:off x="354600" y="1628800"/>
+            <a:ext cx="3744416" cy="2304256"/>
           </a:xfrm>
           <a:prstGeom prst="rect">
             <a:avLst/>
@@ -2195,14 +2195,12 @@
           </a:p>
           <a:p>
             <a:r>
+              <a:rPr lang="en-US" dirty="0" smtClean="0"/>
+              <a:t>SF </a:t>
+            </a:r>
+            <a:r>
               <a:rPr lang="en-US" dirty="0"/>
-              <a:t>Poznan Scenario</a:t>
-            </a:r>
-          </a:p>
-          <a:p>
-            <a:r>
-              <a:rPr lang="en-US" dirty="0"/>
-              <a:t>SF Bay </a:t>
+              <a:t>Bay </a:t>
             </a:r>
             <a:r>
               <a:rPr lang="en-US" dirty="0" smtClean="0"/>
@@ -2210,6 +2208,33 @@
             </a:r>
           </a:p>
           <a:p>
+            <a:endParaRPr lang="en-US" dirty="0" smtClean="0"/>
+          </a:p>
+          <a:p>
+            <a:r>
+              <a:rPr lang="en-US" dirty="0"/>
+              <a:t>ABTA</a:t>
+            </a:r>
+          </a:p>
+          <a:p>
+            <a:r>
+              <a:rPr lang="en-US" dirty="0"/>
+              <a:t>Research Avenues</a:t>
+            </a:r>
+          </a:p>
+          <a:p>
+            <a:endParaRPr lang="en-US" dirty="0" smtClean="0"/>
+          </a:p>
+          <a:p>
+            <a:endParaRPr lang="en-US" dirty="0"/>
+          </a:p>
+          <a:p>
+            <a:endParaRPr lang="en-US" dirty="0" smtClean="0"/>
+          </a:p>
+          <a:p>
+            <a:endParaRPr lang="en-US" dirty="0"/>
+          </a:p>
+          <a:p>
             <a:endParaRPr lang="en-US" dirty="0"/>
           </a:p>
           <a:p>
@@ -2286,18 +2311,6 @@
           </a:p>
           <a:p>
             <a:endParaRPr lang="en-US" dirty="0" smtClean="0"/>
-          </a:p>
-          <a:p>
-            <a:r>
-              <a:rPr lang="en-US" dirty="0" smtClean="0"/>
-              <a:t>ABTA</a:t>
-            </a:r>
-          </a:p>
-          <a:p>
-            <a:r>
-              <a:rPr lang="en-US" dirty="0"/>
-              <a:t>Research Avenues</a:t>
-            </a:r>
           </a:p>
           <a:p>
             <a:endParaRPr lang="en-US" dirty="0"/>
@@ -2313,7 +2326,7 @@
         <p:spPr bwMode="auto">
           <a:xfrm flipV="1">
             <a:off x="2051720" y="702942"/>
-            <a:ext cx="0" cy="637826"/>
+            <a:ext cx="0" cy="925858"/>
           </a:xfrm>
           <a:prstGeom prst="straightConnector1">
             <a:avLst/>
@@ -2342,7 +2355,7 @@
         <p:spPr bwMode="auto">
           <a:xfrm flipV="1">
             <a:off x="1691680" y="702942"/>
-            <a:ext cx="0" cy="637826"/>
+            <a:ext cx="0" cy="925858"/>
           </a:xfrm>
           <a:prstGeom prst="straightConnector1">
             <a:avLst/>
@@ -2371,7 +2384,7 @@
         <p:spPr bwMode="auto">
           <a:xfrm flipV="1">
             <a:off x="2771800" y="702942"/>
-            <a:ext cx="0" cy="637826"/>
+            <a:ext cx="0" cy="925858"/>
           </a:xfrm>
           <a:prstGeom prst="straightConnector1">
             <a:avLst/>

--- a/admin/timeline.pptx
+++ b/admin/timeline.pptx
@@ -2138,7 +2138,7 @@
         <p:spPr>
           <a:xfrm>
             <a:off x="354600" y="1628800"/>
-            <a:ext cx="3744416" cy="2304256"/>
+            <a:ext cx="3744416" cy="2088232"/>
           </a:xfrm>
           <a:prstGeom prst="rect">
             <a:avLst/>
@@ -2239,15 +2239,10 @@
           </a:p>
           <a:p>
             <a:r>
-              <a:rPr lang="en-US" dirty="0"/>
-              <a:t>DTS</a:t>
-            </a:r>
-          </a:p>
-          <a:p>
-            <a:r>
-              <a:rPr lang="en-US" dirty="0"/>
+              <a:rPr lang="en-US" dirty="0" smtClean="0"/>
               <a:t>Accessibility</a:t>
             </a:r>
+            <a:endParaRPr lang="en-US" dirty="0"/>
           </a:p>
           <a:p>
             <a:r>

--- a/admin/timeline.pptx
+++ b/admin/timeline.pptx
@@ -1302,14 +1302,14 @@
           <p:nvPr>
             <p:extLst>
               <p:ext uri="{D42A27DB-BD31-4B8C-83A1-F6EECF244321}">
-                <p14:modId xmlns:p14="http://schemas.microsoft.com/office/powerpoint/2010/main" val="4245357206"/>
+                <p14:modId xmlns:p14="http://schemas.microsoft.com/office/powerpoint/2010/main" val="2836976232"/>
               </p:ext>
             </p:extLst>
           </p:nvPr>
         </p:nvGraphicFramePr>
         <p:xfrm>
           <a:off x="-1000" y="188640"/>
-          <a:ext cx="8856984" cy="485672"/>
+          <a:ext cx="8850099" cy="485672"/>
         </p:xfrm>
         <a:graphic>
           <a:graphicData uri="http://schemas.openxmlformats.org/drawingml/2006/table">
@@ -1325,83 +1325,11 @@
                 <a:tableStyleId>{5C22544A-7EE6-4342-B048-85BDC9FD1C3A}</a:tableStyleId>
               </a:tblPr>
               <a:tblGrid>
-                <a:gridCol w="2214246"/>
-                <a:gridCol w="2214246"/>
-                <a:gridCol w="2214246"/>
-                <a:gridCol w="2214246"/>
+                <a:gridCol w="2950033"/>
+                <a:gridCol w="2950033"/>
+                <a:gridCol w="2950033"/>
               </a:tblGrid>
               <a:tr h="485672">
-                <a:tc>
-                  <a:txBody>
-                    <a:bodyPr/>
-                    <a:lstStyle/>
-                    <a:p>
-                      <a:pPr algn="ctr"/>
-                      <a:r>
-                        <a:rPr lang="en-US" b="0" dirty="0" smtClean="0">
-                          <a:solidFill>
-                            <a:schemeClr val="tx1"/>
-                          </a:solidFill>
-                        </a:rPr>
-                        <a:t>DEC</a:t>
-                      </a:r>
-                      <a:endParaRPr lang="en-US" b="0" dirty="0">
-                        <a:solidFill>
-                          <a:schemeClr val="tx1"/>
-                        </a:solidFill>
-                      </a:endParaRPr>
-                    </a:p>
-                  </a:txBody>
-                  <a:tcPr>
-                    <a:lnL w="12700" cap="flat" cmpd="sng" algn="ctr">
-                      <a:solidFill>
-                        <a:schemeClr val="tx1"/>
-                      </a:solidFill>
-                      <a:prstDash val="solid"/>
-                      <a:round/>
-                      <a:headEnd type="none" w="med" len="med"/>
-                      <a:tailEnd type="none" w="med" len="med"/>
-                    </a:lnL>
-                    <a:lnR w="12700" cap="flat" cmpd="sng" algn="ctr">
-                      <a:solidFill>
-                        <a:schemeClr val="tx1"/>
-                      </a:solidFill>
-                      <a:prstDash val="solid"/>
-                      <a:round/>
-                      <a:headEnd type="none" w="med" len="med"/>
-                      <a:tailEnd type="none" w="med" len="med"/>
-                    </a:lnR>
-                    <a:lnT w="12700" cap="flat" cmpd="sng" algn="ctr">
-                      <a:solidFill>
-                        <a:schemeClr val="tx1"/>
-                      </a:solidFill>
-                      <a:prstDash val="solid"/>
-                      <a:round/>
-                      <a:headEnd type="none" w="med" len="med"/>
-                      <a:tailEnd type="none" w="med" len="med"/>
-                    </a:lnT>
-                    <a:lnB w="12700" cap="flat" cmpd="sng" algn="ctr">
-                      <a:solidFill>
-                        <a:schemeClr val="tx1"/>
-                      </a:solidFill>
-                      <a:prstDash val="solid"/>
-                      <a:round/>
-                      <a:headEnd type="none" w="med" len="med"/>
-                      <a:tailEnd type="none" w="med" len="med"/>
-                    </a:lnB>
-                    <a:lnTlToBr w="12700" cmpd="sng">
-                      <a:noFill/>
-                      <a:prstDash val="solid"/>
-                    </a:lnTlToBr>
-                    <a:lnBlToTr w="12700" cmpd="sng">
-                      <a:noFill/>
-                      <a:prstDash val="solid"/>
-                    </a:lnBlToTr>
-                    <a:solidFill>
-                      <a:schemeClr val="bg1"/>
-                    </a:solidFill>
-                  </a:tcPr>
-                </a:tc>
                 <a:tc>
                   <a:txBody>
                     <a:bodyPr/>
@@ -1628,7 +1556,7 @@
         </p:nvCxnSpPr>
         <p:spPr bwMode="auto">
           <a:xfrm flipV="1">
-            <a:off x="2411760" y="702942"/>
+            <a:off x="611560" y="702942"/>
             <a:ext cx="0" cy="925858"/>
           </a:xfrm>
           <a:prstGeom prst="straightConnector1">
@@ -1716,8 +1644,8 @@
         </p:nvSpPr>
         <p:spPr bwMode="auto">
           <a:xfrm>
-            <a:off x="-4438" y="4308142"/>
-            <a:ext cx="4432429" cy="1008112"/>
+            <a:off x="-4437" y="4308142"/>
+            <a:ext cx="2992262" cy="1008112"/>
           </a:xfrm>
           <a:prstGeom prst="rect">
             <a:avLst/>
@@ -1996,6 +1924,325 @@
           <a:effectLst/>
         </p:spPr>
       </p:cxnSp>
+      <p:sp>
+        <p:nvSpPr>
+          <p:cNvPr id="26" name="TextBox 25"/>
+          <p:cNvSpPr txBox="1"/>
+          <p:nvPr/>
+        </p:nvSpPr>
+        <p:spPr>
+          <a:xfrm>
+            <a:off x="8201932" y="842809"/>
+            <a:ext cx="833563" cy="707886"/>
+          </a:xfrm>
+          <a:prstGeom prst="rect">
+            <a:avLst/>
+          </a:prstGeom>
+          <a:solidFill>
+            <a:schemeClr val="bg1"/>
+          </a:solidFill>
+        </p:spPr>
+        <p:txBody>
+          <a:bodyPr wrap="none" rtlCol="0">
+            <a:spAutoFit/>
+          </a:bodyPr>
+          <a:lstStyle/>
+          <a:p>
+            <a:pPr algn="ctr"/>
+            <a:r>
+              <a:rPr lang="en-US" sz="2000" dirty="0" smtClean="0">
+                <a:solidFill>
+                  <a:srgbClr val="FF0000"/>
+                </a:solidFill>
+                <a:latin typeface="Calibri" panose="020F0502020204030204" pitchFamily="34" charset="0"/>
+              </a:rPr>
+              <a:t>Horni</a:t>
+            </a:r>
+          </a:p>
+          <a:p>
+            <a:pPr algn="ctr"/>
+            <a:r>
+              <a:rPr lang="en-US" sz="2000" dirty="0">
+                <a:solidFill>
+                  <a:srgbClr val="FF0000"/>
+                </a:solidFill>
+                <a:latin typeface="Calibri" panose="020F0502020204030204" pitchFamily="34" charset="0"/>
+              </a:rPr>
+              <a:t>leaves</a:t>
+            </a:r>
+          </a:p>
+        </p:txBody>
+      </p:sp>
+      <p:cxnSp>
+        <p:nvCxnSpPr>
+          <p:cNvPr id="18" name="Straight Arrow Connector 17"/>
+          <p:cNvCxnSpPr/>
+          <p:nvPr/>
+        </p:nvCxnSpPr>
+        <p:spPr bwMode="auto">
+          <a:xfrm flipV="1">
+            <a:off x="395536" y="702942"/>
+            <a:ext cx="0" cy="925858"/>
+          </a:xfrm>
+          <a:prstGeom prst="straightConnector1">
+            <a:avLst/>
+          </a:prstGeom>
+          <a:solidFill>
+            <a:schemeClr val="accent1"/>
+          </a:solidFill>
+          <a:ln w="15875" cap="flat" cmpd="sng" algn="ctr">
+            <a:solidFill>
+              <a:schemeClr val="tx1"/>
+            </a:solidFill>
+            <a:prstDash val="solid"/>
+            <a:round/>
+            <a:headEnd type="none" w="med" len="med"/>
+            <a:tailEnd type="arrow"/>
+          </a:ln>
+          <a:effectLst/>
+        </p:spPr>
+      </p:cxnSp>
+      <p:cxnSp>
+        <p:nvCxnSpPr>
+          <p:cNvPr id="19" name="Straight Arrow Connector 18"/>
+          <p:cNvCxnSpPr/>
+          <p:nvPr/>
+        </p:nvCxnSpPr>
+        <p:spPr bwMode="auto">
+          <a:xfrm flipV="1">
+            <a:off x="179512" y="702942"/>
+            <a:ext cx="0" cy="925858"/>
+          </a:xfrm>
+          <a:prstGeom prst="straightConnector1">
+            <a:avLst/>
+          </a:prstGeom>
+          <a:solidFill>
+            <a:schemeClr val="accent1"/>
+          </a:solidFill>
+          <a:ln w="22225" cap="flat" cmpd="sng" algn="ctr">
+            <a:solidFill>
+              <a:schemeClr val="tx1"/>
+            </a:solidFill>
+            <a:prstDash val="solid"/>
+            <a:round/>
+            <a:headEnd type="none" w="med" len="med"/>
+            <a:tailEnd type="arrow"/>
+          </a:ln>
+          <a:effectLst/>
+        </p:spPr>
+      </p:cxnSp>
+      <p:cxnSp>
+        <p:nvCxnSpPr>
+          <p:cNvPr id="20" name="Straight Arrow Connector 19"/>
+          <p:cNvCxnSpPr/>
+          <p:nvPr/>
+        </p:nvCxnSpPr>
+        <p:spPr bwMode="auto">
+          <a:xfrm flipV="1">
+            <a:off x="827584" y="702942"/>
+            <a:ext cx="0" cy="925858"/>
+          </a:xfrm>
+          <a:prstGeom prst="straightConnector1">
+            <a:avLst/>
+          </a:prstGeom>
+          <a:solidFill>
+            <a:schemeClr val="accent1"/>
+          </a:solidFill>
+          <a:ln w="9525" cap="flat" cmpd="sng" algn="ctr">
+            <a:solidFill>
+              <a:schemeClr val="tx1"/>
+            </a:solidFill>
+            <a:prstDash val="dash"/>
+            <a:round/>
+            <a:headEnd type="none" w="med" len="med"/>
+            <a:tailEnd type="arrow"/>
+          </a:ln>
+          <a:effectLst/>
+        </p:spPr>
+      </p:cxnSp>
+      <p:sp>
+        <p:nvSpPr>
+          <p:cNvPr id="28" name="TextBox 27"/>
+          <p:cNvSpPr txBox="1"/>
+          <p:nvPr/>
+        </p:nvSpPr>
+        <p:spPr>
+          <a:xfrm>
+            <a:off x="-5439" y="1628800"/>
+            <a:ext cx="2969100" cy="2088232"/>
+          </a:xfrm>
+          <a:prstGeom prst="rect">
+            <a:avLst/>
+          </a:prstGeom>
+          <a:solidFill>
+            <a:schemeClr val="bg1">
+              <a:lumMod val="95000"/>
+            </a:schemeClr>
+          </a:solidFill>
+          <a:ln>
+            <a:solidFill>
+              <a:schemeClr val="tx1"/>
+            </a:solidFill>
+          </a:ln>
+        </p:spPr>
+        <p:txBody>
+          <a:bodyPr wrap="square" numCol="2" rtlCol="0">
+            <a:noAutofit/>
+          </a:bodyPr>
+          <a:lstStyle>
+            <a:defPPr>
+              <a:defRPr lang="en-US"/>
+            </a:defPPr>
+            <a:lvl1pPr>
+              <a:defRPr sz="1400">
+                <a:latin typeface="Calibri" panose="020F0502020204030204" pitchFamily="34" charset="0"/>
+              </a:defRPr>
+            </a:lvl1pPr>
+          </a:lstStyle>
+          <a:p>
+            <a:r>
+              <a:rPr lang="en-US" sz="1300" dirty="0" smtClean="0"/>
+              <a:t>Tampa Scenario</a:t>
+            </a:r>
+            <a:endParaRPr lang="en-US" sz="1300" dirty="0"/>
+          </a:p>
+          <a:p>
+            <a:r>
+              <a:rPr lang="en-US" sz="1300" dirty="0" smtClean="0"/>
+              <a:t>London Scenario</a:t>
+            </a:r>
+          </a:p>
+          <a:p>
+            <a:r>
+              <a:rPr lang="en-US" sz="1300" dirty="0"/>
+              <a:t>NYC Scenario</a:t>
+            </a:r>
+          </a:p>
+          <a:p>
+            <a:r>
+              <a:rPr lang="en-US" sz="1300" dirty="0"/>
+              <a:t>LA Scenario</a:t>
+            </a:r>
+          </a:p>
+          <a:p>
+            <a:r>
+              <a:rPr lang="en-US" sz="1300" dirty="0" smtClean="0"/>
+              <a:t>SF </a:t>
+            </a:r>
+            <a:r>
+              <a:rPr lang="en-US" sz="1300" dirty="0"/>
+              <a:t>Bay </a:t>
+            </a:r>
+            <a:r>
+              <a:rPr lang="en-US" sz="1300" dirty="0" smtClean="0"/>
+              <a:t>Scenario</a:t>
+            </a:r>
+          </a:p>
+          <a:p>
+            <a:endParaRPr lang="en-US" sz="1300" dirty="0" smtClean="0"/>
+          </a:p>
+          <a:p>
+            <a:r>
+              <a:rPr lang="en-US" sz="1300" dirty="0"/>
+              <a:t>ABTA</a:t>
+            </a:r>
+          </a:p>
+          <a:p>
+            <a:r>
+              <a:rPr lang="en-US" sz="1300" dirty="0"/>
+              <a:t>Research Avenues</a:t>
+            </a:r>
+          </a:p>
+          <a:p>
+            <a:endParaRPr lang="en-US" sz="1300" dirty="0" smtClean="0"/>
+          </a:p>
+          <a:p>
+            <a:endParaRPr lang="en-US" sz="1300" dirty="0"/>
+          </a:p>
+          <a:p>
+            <a:endParaRPr lang="en-US" sz="1300" dirty="0" smtClean="0"/>
+          </a:p>
+          <a:p>
+            <a:endParaRPr lang="en-US" sz="1300" dirty="0"/>
+          </a:p>
+          <a:p>
+            <a:endParaRPr lang="en-US" sz="1300" dirty="0"/>
+          </a:p>
+          <a:p>
+            <a:r>
+              <a:rPr lang="en-US" sz="1300" dirty="0" smtClean="0"/>
+              <a:t>Accessibility</a:t>
+            </a:r>
+            <a:endParaRPr lang="en-US" sz="1300" dirty="0"/>
+          </a:p>
+          <a:p>
+            <a:r>
+              <a:rPr lang="en-US" sz="1300" dirty="0" smtClean="0"/>
+              <a:t>PT</a:t>
+            </a:r>
+          </a:p>
+          <a:p>
+            <a:r>
+              <a:rPr lang="en-US" sz="1300" dirty="0" smtClean="0"/>
+              <a:t>El </a:t>
+            </a:r>
+            <a:r>
+              <a:rPr lang="en-US" sz="1300" dirty="0"/>
+              <a:t>Vehicles</a:t>
+            </a:r>
+          </a:p>
+          <a:p>
+            <a:r>
+              <a:rPr lang="en-US" sz="1300" dirty="0" smtClean="0"/>
+              <a:t>Parking</a:t>
+            </a:r>
+          </a:p>
+          <a:p>
+            <a:r>
+              <a:rPr lang="en-US" sz="1300" dirty="0" err="1"/>
+              <a:t>wagonSim</a:t>
+            </a:r>
+            <a:endParaRPr lang="en-US" sz="1300" dirty="0"/>
+          </a:p>
+          <a:p>
+            <a:r>
+              <a:rPr lang="en-US" sz="1300" dirty="0" smtClean="0"/>
+              <a:t>MATSim4Urbansim</a:t>
+            </a:r>
+            <a:endParaRPr lang="en-US" sz="1300" dirty="0"/>
+          </a:p>
+          <a:p>
+            <a:r>
+              <a:rPr lang="en-US" sz="1300" dirty="0" err="1"/>
+              <a:t>Cadyts</a:t>
+            </a:r>
+            <a:endParaRPr lang="en-US" sz="1300" dirty="0"/>
+          </a:p>
+          <a:p>
+            <a:r>
+              <a:rPr lang="en-US" sz="1300" dirty="0" err="1" smtClean="0"/>
+              <a:t>Roadpricing</a:t>
+            </a:r>
+            <a:endParaRPr lang="en-US" sz="1300" dirty="0" smtClean="0"/>
+          </a:p>
+          <a:p>
+            <a:r>
+              <a:rPr lang="en-US" sz="1300" dirty="0" err="1" smtClean="0"/>
+              <a:t>OTFVis</a:t>
+            </a:r>
+            <a:endParaRPr lang="en-US" sz="1300" dirty="0" smtClean="0"/>
+          </a:p>
+          <a:p>
+            <a:endParaRPr lang="en-US" dirty="0"/>
+          </a:p>
+          <a:p>
+            <a:endParaRPr lang="en-US" dirty="0" smtClean="0"/>
+          </a:p>
+          <a:p>
+            <a:endParaRPr lang="en-US" dirty="0"/>
+          </a:p>
+        </p:txBody>
+      </p:sp>
       <p:cxnSp>
         <p:nvCxnSpPr>
           <p:cNvPr id="25" name="Straight Connector 24"/>
@@ -2004,7 +2251,7 @@
         </p:nvCxnSpPr>
         <p:spPr bwMode="auto">
           <a:xfrm flipV="1">
-            <a:off x="4427992" y="188640"/>
+            <a:off x="2959225" y="188640"/>
             <a:ext cx="8870" cy="6669360"/>
           </a:xfrm>
           <a:prstGeom prst="line">
@@ -2033,7 +2280,7 @@
         </p:nvSpPr>
         <p:spPr>
           <a:xfrm>
-            <a:off x="3870963" y="842809"/>
+            <a:off x="2267744" y="811928"/>
             <a:ext cx="1167307" cy="707886"/>
           </a:xfrm>
           <a:prstGeom prst="rect">
@@ -2080,325 +2327,6 @@
           </a:p>
         </p:txBody>
       </p:sp>
-      <p:sp>
-        <p:nvSpPr>
-          <p:cNvPr id="26" name="TextBox 25"/>
-          <p:cNvSpPr txBox="1"/>
-          <p:nvPr/>
-        </p:nvSpPr>
-        <p:spPr>
-          <a:xfrm>
-            <a:off x="8201932" y="842809"/>
-            <a:ext cx="833563" cy="707886"/>
-          </a:xfrm>
-          <a:prstGeom prst="rect">
-            <a:avLst/>
-          </a:prstGeom>
-          <a:solidFill>
-            <a:schemeClr val="bg1"/>
-          </a:solidFill>
-        </p:spPr>
-        <p:txBody>
-          <a:bodyPr wrap="none" rtlCol="0">
-            <a:spAutoFit/>
-          </a:bodyPr>
-          <a:lstStyle/>
-          <a:p>
-            <a:pPr algn="ctr"/>
-            <a:r>
-              <a:rPr lang="en-US" sz="2000" dirty="0" smtClean="0">
-                <a:solidFill>
-                  <a:srgbClr val="FF0000"/>
-                </a:solidFill>
-                <a:latin typeface="Calibri" panose="020F0502020204030204" pitchFamily="34" charset="0"/>
-              </a:rPr>
-              <a:t>Horni</a:t>
-            </a:r>
-          </a:p>
-          <a:p>
-            <a:pPr algn="ctr"/>
-            <a:r>
-              <a:rPr lang="en-US" sz="2000" dirty="0">
-                <a:solidFill>
-                  <a:srgbClr val="FF0000"/>
-                </a:solidFill>
-                <a:latin typeface="Calibri" panose="020F0502020204030204" pitchFamily="34" charset="0"/>
-              </a:rPr>
-              <a:t>leaves</a:t>
-            </a:r>
-          </a:p>
-        </p:txBody>
-      </p:sp>
-      <p:sp>
-        <p:nvSpPr>
-          <p:cNvPr id="28" name="TextBox 27"/>
-          <p:cNvSpPr txBox="1"/>
-          <p:nvPr/>
-        </p:nvSpPr>
-        <p:spPr>
-          <a:xfrm>
-            <a:off x="354600" y="1628800"/>
-            <a:ext cx="3744416" cy="2088232"/>
-          </a:xfrm>
-          <a:prstGeom prst="rect">
-            <a:avLst/>
-          </a:prstGeom>
-          <a:solidFill>
-            <a:schemeClr val="bg1">
-              <a:lumMod val="95000"/>
-            </a:schemeClr>
-          </a:solidFill>
-          <a:ln>
-            <a:solidFill>
-              <a:schemeClr val="tx1"/>
-            </a:solidFill>
-          </a:ln>
-        </p:spPr>
-        <p:txBody>
-          <a:bodyPr wrap="square" numCol="2" rtlCol="0">
-            <a:noAutofit/>
-          </a:bodyPr>
-          <a:lstStyle>
-            <a:defPPr>
-              <a:defRPr lang="en-US"/>
-            </a:defPPr>
-            <a:lvl1pPr>
-              <a:defRPr sz="1400">
-                <a:latin typeface="Calibri" panose="020F0502020204030204" pitchFamily="34" charset="0"/>
-              </a:defRPr>
-            </a:lvl1pPr>
-          </a:lstStyle>
-          <a:p>
-            <a:r>
-              <a:rPr lang="en-US" dirty="0" smtClean="0"/>
-              <a:t>Tampa Scenario</a:t>
-            </a:r>
-            <a:endParaRPr lang="en-US" dirty="0"/>
-          </a:p>
-          <a:p>
-            <a:r>
-              <a:rPr lang="en-US" dirty="0" smtClean="0"/>
-              <a:t>London Scenario</a:t>
-            </a:r>
-          </a:p>
-          <a:p>
-            <a:r>
-              <a:rPr lang="en-US" dirty="0"/>
-              <a:t>NYC Scenario</a:t>
-            </a:r>
-          </a:p>
-          <a:p>
-            <a:r>
-              <a:rPr lang="en-US" dirty="0"/>
-              <a:t>LA Scenario</a:t>
-            </a:r>
-          </a:p>
-          <a:p>
-            <a:r>
-              <a:rPr lang="en-US" dirty="0" smtClean="0"/>
-              <a:t>SF </a:t>
-            </a:r>
-            <a:r>
-              <a:rPr lang="en-US" dirty="0"/>
-              <a:t>Bay </a:t>
-            </a:r>
-            <a:r>
-              <a:rPr lang="en-US" dirty="0" smtClean="0"/>
-              <a:t>Scenario</a:t>
-            </a:r>
-          </a:p>
-          <a:p>
-            <a:endParaRPr lang="en-US" dirty="0" smtClean="0"/>
-          </a:p>
-          <a:p>
-            <a:r>
-              <a:rPr lang="en-US" dirty="0"/>
-              <a:t>ABTA</a:t>
-            </a:r>
-          </a:p>
-          <a:p>
-            <a:r>
-              <a:rPr lang="en-US" dirty="0"/>
-              <a:t>Research Avenues</a:t>
-            </a:r>
-          </a:p>
-          <a:p>
-            <a:endParaRPr lang="en-US" dirty="0" smtClean="0"/>
-          </a:p>
-          <a:p>
-            <a:endParaRPr lang="en-US" dirty="0"/>
-          </a:p>
-          <a:p>
-            <a:endParaRPr lang="en-US" dirty="0" smtClean="0"/>
-          </a:p>
-          <a:p>
-            <a:endParaRPr lang="en-US" dirty="0"/>
-          </a:p>
-          <a:p>
-            <a:endParaRPr lang="en-US" dirty="0"/>
-          </a:p>
-          <a:p>
-            <a:r>
-              <a:rPr lang="en-US" dirty="0" smtClean="0"/>
-              <a:t>Accessibility</a:t>
-            </a:r>
-            <a:endParaRPr lang="en-US" dirty="0"/>
-          </a:p>
-          <a:p>
-            <a:r>
-              <a:rPr lang="en-US" dirty="0" smtClean="0"/>
-              <a:t>PT</a:t>
-            </a:r>
-          </a:p>
-          <a:p>
-            <a:r>
-              <a:rPr lang="en-US" dirty="0" smtClean="0"/>
-              <a:t>El </a:t>
-            </a:r>
-            <a:r>
-              <a:rPr lang="en-US" dirty="0"/>
-              <a:t>Vehicles</a:t>
-            </a:r>
-          </a:p>
-          <a:p>
-            <a:r>
-              <a:rPr lang="en-US" dirty="0" smtClean="0"/>
-              <a:t>Parking</a:t>
-            </a:r>
-          </a:p>
-          <a:p>
-            <a:r>
-              <a:rPr lang="en-US" dirty="0" err="1"/>
-              <a:t>wagonSim</a:t>
-            </a:r>
-            <a:endParaRPr lang="en-US" dirty="0"/>
-          </a:p>
-          <a:p>
-            <a:r>
-              <a:rPr lang="en-US" dirty="0" smtClean="0"/>
-              <a:t>MATSim4Urbansim</a:t>
-            </a:r>
-            <a:endParaRPr lang="en-US" dirty="0"/>
-          </a:p>
-          <a:p>
-            <a:r>
-              <a:rPr lang="en-US" dirty="0" err="1"/>
-              <a:t>Cadyts</a:t>
-            </a:r>
-            <a:endParaRPr lang="en-US" dirty="0"/>
-          </a:p>
-          <a:p>
-            <a:r>
-              <a:rPr lang="en-US" dirty="0" err="1" smtClean="0"/>
-              <a:t>Roadpricing</a:t>
-            </a:r>
-            <a:endParaRPr lang="en-US" dirty="0" smtClean="0"/>
-          </a:p>
-          <a:p>
-            <a:r>
-              <a:rPr lang="en-US" dirty="0" err="1" smtClean="0"/>
-              <a:t>OTFVis</a:t>
-            </a:r>
-            <a:endParaRPr lang="en-US" dirty="0" smtClean="0"/>
-          </a:p>
-          <a:p>
-            <a:endParaRPr lang="en-US" dirty="0"/>
-          </a:p>
-          <a:p>
-            <a:endParaRPr lang="en-US" dirty="0" smtClean="0"/>
-          </a:p>
-          <a:p>
-            <a:endParaRPr lang="en-US" dirty="0"/>
-          </a:p>
-        </p:txBody>
-      </p:sp>
-      <p:cxnSp>
-        <p:nvCxnSpPr>
-          <p:cNvPr id="18" name="Straight Arrow Connector 17"/>
-          <p:cNvCxnSpPr/>
-          <p:nvPr/>
-        </p:nvCxnSpPr>
-        <p:spPr bwMode="auto">
-          <a:xfrm flipV="1">
-            <a:off x="2051720" y="702942"/>
-            <a:ext cx="0" cy="925858"/>
-          </a:xfrm>
-          <a:prstGeom prst="straightConnector1">
-            <a:avLst/>
-          </a:prstGeom>
-          <a:solidFill>
-            <a:schemeClr val="accent1"/>
-          </a:solidFill>
-          <a:ln w="15875" cap="flat" cmpd="sng" algn="ctr">
-            <a:solidFill>
-              <a:schemeClr val="tx1"/>
-            </a:solidFill>
-            <a:prstDash val="solid"/>
-            <a:round/>
-            <a:headEnd type="none" w="med" len="med"/>
-            <a:tailEnd type="arrow"/>
-          </a:ln>
-          <a:effectLst/>
-        </p:spPr>
-      </p:cxnSp>
-      <p:cxnSp>
-        <p:nvCxnSpPr>
-          <p:cNvPr id="19" name="Straight Arrow Connector 18"/>
-          <p:cNvCxnSpPr/>
-          <p:nvPr/>
-        </p:nvCxnSpPr>
-        <p:spPr bwMode="auto">
-          <a:xfrm flipV="1">
-            <a:off x="1691680" y="702942"/>
-            <a:ext cx="0" cy="925858"/>
-          </a:xfrm>
-          <a:prstGeom prst="straightConnector1">
-            <a:avLst/>
-          </a:prstGeom>
-          <a:solidFill>
-            <a:schemeClr val="accent1"/>
-          </a:solidFill>
-          <a:ln w="22225" cap="flat" cmpd="sng" algn="ctr">
-            <a:solidFill>
-              <a:schemeClr val="tx1"/>
-            </a:solidFill>
-            <a:prstDash val="solid"/>
-            <a:round/>
-            <a:headEnd type="none" w="med" len="med"/>
-            <a:tailEnd type="arrow"/>
-          </a:ln>
-          <a:effectLst/>
-        </p:spPr>
-      </p:cxnSp>
-      <p:cxnSp>
-        <p:nvCxnSpPr>
-          <p:cNvPr id="20" name="Straight Arrow Connector 19"/>
-          <p:cNvCxnSpPr/>
-          <p:nvPr/>
-        </p:nvCxnSpPr>
-        <p:spPr bwMode="auto">
-          <a:xfrm flipV="1">
-            <a:off x="2771800" y="702942"/>
-            <a:ext cx="0" cy="925858"/>
-          </a:xfrm>
-          <a:prstGeom prst="straightConnector1">
-            <a:avLst/>
-          </a:prstGeom>
-          <a:solidFill>
-            <a:schemeClr val="accent1"/>
-          </a:solidFill>
-          <a:ln w="9525" cap="flat" cmpd="sng" algn="ctr">
-            <a:solidFill>
-              <a:schemeClr val="tx1"/>
-            </a:solidFill>
-            <a:prstDash val="dash"/>
-            <a:round/>
-            <a:headEnd type="none" w="med" len="med"/>
-            <a:tailEnd type="arrow"/>
-          </a:ln>
-          <a:effectLst/>
-        </p:spPr>
-      </p:cxnSp>
     </p:spTree>
     <p:extLst>
       <p:ext uri="{BB962C8B-B14F-4D97-AF65-F5344CB8AC3E}">

--- a/admin/timeline.pptx
+++ b/admin/timeline.pptx
@@ -2069,7 +2069,7 @@
         <p:spPr>
           <a:xfrm>
             <a:off x="-5439" y="1628800"/>
-            <a:ext cx="2969100" cy="2088232"/>
+            <a:ext cx="2969100" cy="1800200"/>
           </a:xfrm>
           <a:prstGeom prst="rect">
             <a:avLst/>
@@ -2174,12 +2174,6 @@
               <a:t>Accessibility</a:t>
             </a:r>
             <a:endParaRPr lang="en-US" sz="1300" dirty="0"/>
-          </a:p>
-          <a:p>
-            <a:r>
-              <a:rPr lang="en-US" sz="1300" dirty="0" smtClean="0"/>
-              <a:t>PT</a:t>
-            </a:r>
           </a:p>
           <a:p>
             <a:r>

--- a/admin/timeline.pptx
+++ b/admin/timeline.pptx
@@ -2069,7 +2069,7 @@
         <p:spPr>
           <a:xfrm>
             <a:off x="-5439" y="1628800"/>
-            <a:ext cx="2969100" cy="1800200"/>
+            <a:ext cx="2969100" cy="1584176"/>
           </a:xfrm>
           <a:prstGeom prst="rect">
             <a:avLst/>
@@ -2120,12 +2120,6 @@
           </a:p>
           <a:p>
             <a:r>
-              <a:rPr lang="en-US" sz="1300" dirty="0"/>
-              <a:t>LA Scenario</a:t>
-            </a:r>
-          </a:p>
-          <a:p>
-            <a:r>
               <a:rPr lang="en-US" sz="1300" dirty="0" smtClean="0"/>
               <a:t>SF </a:t>
             </a:r>
@@ -2190,13 +2184,6 @@
               <a:rPr lang="en-US" sz="1300" dirty="0" smtClean="0"/>
               <a:t>Parking</a:t>
             </a:r>
-          </a:p>
-          <a:p>
-            <a:r>
-              <a:rPr lang="en-US" sz="1300" dirty="0" err="1"/>
-              <a:t>wagonSim</a:t>
-            </a:r>
-            <a:endParaRPr lang="en-US" sz="1300" dirty="0"/>
           </a:p>
           <a:p>
             <a:r>

--- a/admin/timeline.pptx
+++ b/admin/timeline.pptx
@@ -2069,7 +2069,7 @@
         <p:spPr>
           <a:xfrm>
             <a:off x="-5439" y="1628800"/>
-            <a:ext cx="2969100" cy="1584176"/>
+            <a:ext cx="2964664" cy="1728192"/>
           </a:xfrm>
           <a:prstGeom prst="rect">
             <a:avLst/>
@@ -2114,12 +2114,6 @@
           </a:p>
           <a:p>
             <a:r>
-              <a:rPr lang="en-US" sz="1300" dirty="0"/>
-              <a:t>NYC Scenario</a:t>
-            </a:r>
-          </a:p>
-          <a:p>
-            <a:r>
               <a:rPr lang="en-US" sz="1300" dirty="0" smtClean="0"/>
               <a:t>SF </a:t>
             </a:r>
@@ -2136,31 +2130,7 @@
             <a:endParaRPr lang="en-US" sz="1300" dirty="0" smtClean="0"/>
           </a:p>
           <a:p>
-            <a:r>
-              <a:rPr lang="en-US" sz="1300" dirty="0"/>
-              <a:t>ABTA</a:t>
-            </a:r>
-          </a:p>
-          <a:p>
-            <a:r>
-              <a:rPr lang="en-US" sz="1300" dirty="0"/>
-              <a:t>Research Avenues</a:t>
-            </a:r>
-          </a:p>
-          <a:p>
             <a:endParaRPr lang="en-US" sz="1300" dirty="0" smtClean="0"/>
-          </a:p>
-          <a:p>
-            <a:endParaRPr lang="en-US" sz="1300" dirty="0"/>
-          </a:p>
-          <a:p>
-            <a:endParaRPr lang="en-US" sz="1300" dirty="0" smtClean="0"/>
-          </a:p>
-          <a:p>
-            <a:endParaRPr lang="en-US" sz="1300" dirty="0"/>
-          </a:p>
-          <a:p>
-            <a:endParaRPr lang="en-US" sz="1300" dirty="0"/>
           </a:p>
           <a:p>
             <a:r>
@@ -2186,6 +2156,9 @@
             </a:r>
           </a:p>
           <a:p>
+            <a:endParaRPr lang="en-US" sz="1300" dirty="0" smtClean="0"/>
+          </a:p>
+          <a:p>
             <a:r>
               <a:rPr lang="en-US" sz="1300" dirty="0" smtClean="0"/>
               <a:t>MATSim4Urbansim</a:t>
@@ -2202,13 +2175,6 @@
           <a:p>
             <a:r>
               <a:rPr lang="en-US" sz="1300" dirty="0" err="1" smtClean="0"/>
-              <a:t>Roadpricing</a:t>
-            </a:r>
-            <a:endParaRPr lang="en-US" sz="1300" dirty="0" smtClean="0"/>
-          </a:p>
-          <a:p>
-            <a:r>
-              <a:rPr lang="en-US" sz="1300" dirty="0" err="1" smtClean="0"/>
               <a:t>OTFVis</a:t>
             </a:r>
             <a:endParaRPr lang="en-US" sz="1300" dirty="0" smtClean="0"/>
@@ -2218,6 +2184,12 @@
           </a:p>
           <a:p>
             <a:endParaRPr lang="en-US" dirty="0" smtClean="0"/>
+          </a:p>
+          <a:p>
+            <a:r>
+              <a:rPr lang="en-US" dirty="0"/>
+              <a:t>Research Avenues</a:t>
+            </a:r>
           </a:p>
           <a:p>
             <a:endParaRPr lang="en-US" dirty="0"/>

--- a/admin/timeline.pptx
+++ b/admin/timeline.pptx
@@ -2069,7 +2069,7 @@
         <p:spPr>
           <a:xfrm>
             <a:off x="-5439" y="1628800"/>
-            <a:ext cx="2964664" cy="1728192"/>
+            <a:ext cx="2964664" cy="2088232"/>
           </a:xfrm>
           <a:prstGeom prst="rect">
             <a:avLst/>
@@ -2130,9 +2130,6 @@
             <a:endParaRPr lang="en-US" sz="1300" dirty="0" smtClean="0"/>
           </a:p>
           <a:p>
-            <a:endParaRPr lang="en-US" sz="1300" dirty="0" smtClean="0"/>
-          </a:p>
-          <a:p>
             <a:r>
               <a:rPr lang="en-US" sz="1300" dirty="0" smtClean="0"/>
               <a:t>Accessibility</a:t>
@@ -2142,25 +2139,6 @@
           <a:p>
             <a:r>
               <a:rPr lang="en-US" sz="1300" dirty="0" smtClean="0"/>
-              <a:t>El </a:t>
-            </a:r>
-            <a:r>
-              <a:rPr lang="en-US" sz="1300" dirty="0"/>
-              <a:t>Vehicles</a:t>
-            </a:r>
-          </a:p>
-          <a:p>
-            <a:r>
-              <a:rPr lang="en-US" sz="1300" dirty="0" smtClean="0"/>
-              <a:t>Parking</a:t>
-            </a:r>
-          </a:p>
-          <a:p>
-            <a:endParaRPr lang="en-US" sz="1300" dirty="0" smtClean="0"/>
-          </a:p>
-          <a:p>
-            <a:r>
-              <a:rPr lang="en-US" sz="1300" dirty="0" smtClean="0"/>
               <a:t>MATSim4Urbansim</a:t>
             </a:r>
             <a:endParaRPr lang="en-US" sz="1300" dirty="0"/>
@@ -2180,15 +2158,16 @@
             <a:endParaRPr lang="en-US" sz="1300" dirty="0" smtClean="0"/>
           </a:p>
           <a:p>
-            <a:endParaRPr lang="en-US" dirty="0"/>
-          </a:p>
-          <a:p>
-            <a:endParaRPr lang="en-US" dirty="0" smtClean="0"/>
-          </a:p>
-          <a:p>
+            <a:endParaRPr lang="en-US" sz="1300" dirty="0" smtClean="0"/>
+          </a:p>
+          <a:p>
+            <a:r>
+              <a:rPr lang="en-US" dirty="0" smtClean="0"/>
+              <a:t>Research </a:t>
+            </a:r>
             <a:r>
               <a:rPr lang="en-US" dirty="0"/>
-              <a:t>Research Avenues</a:t>
+              <a:t>Avenues</a:t>
             </a:r>
           </a:p>
           <a:p>

--- a/admin/timeline.pptx
+++ b/admin/timeline.pptx
@@ -2086,7 +2086,7 @@
           </a:ln>
         </p:spPr>
         <p:txBody>
-          <a:bodyPr wrap="square" numCol="2" rtlCol="0">
+          <a:bodyPr wrap="square" numCol="1" rtlCol="0">
             <a:noAutofit/>
           </a:bodyPr>
           <a:lstStyle>
@@ -2102,15 +2102,80 @@
           <a:p>
             <a:r>
               <a:rPr lang="en-US" sz="1300" dirty="0" smtClean="0"/>
-              <a:t>Tampa Scenario</a:t>
-            </a:r>
-            <a:endParaRPr lang="en-US" sz="1300" dirty="0"/>
+              <a:t>Tampa </a:t>
+            </a:r>
+            <a:r>
+              <a:rPr lang="en-US" sz="1300" dirty="0" smtClean="0"/>
+              <a:t>Scenario </a:t>
+            </a:r>
+            <a:r>
+              <a:rPr lang="en-US" sz="1300" dirty="0" smtClean="0">
+                <a:solidFill>
+                  <a:srgbClr val="FF0000"/>
+                </a:solidFill>
+              </a:rPr>
+              <a:t>(</a:t>
+            </a:r>
+            <a:r>
+              <a:rPr lang="en-US" sz="1300" dirty="0" err="1" smtClean="0">
+                <a:solidFill>
+                  <a:srgbClr val="FF0000"/>
+                </a:solidFill>
+              </a:rPr>
+              <a:t>Gurram</a:t>
+            </a:r>
+            <a:r>
+              <a:rPr lang="en-US" sz="1300" dirty="0" smtClean="0">
+                <a:solidFill>
+                  <a:srgbClr val="FF0000"/>
+                </a:solidFill>
+              </a:rPr>
+              <a:t>)</a:t>
+            </a:r>
+            <a:endParaRPr lang="en-US" sz="1300" dirty="0">
+              <a:solidFill>
+                <a:srgbClr val="FF0000"/>
+              </a:solidFill>
+            </a:endParaRPr>
           </a:p>
           <a:p>
             <a:r>
               <a:rPr lang="en-US" sz="1300" dirty="0" smtClean="0"/>
-              <a:t>London Scenario</a:t>
-            </a:r>
+              <a:t>London </a:t>
+            </a:r>
+            <a:r>
+              <a:rPr lang="en-US" sz="1300" dirty="0" smtClean="0"/>
+              <a:t>Scenario </a:t>
+            </a:r>
+            <a:r>
+              <a:rPr lang="en-US" sz="1300" dirty="0" smtClean="0">
+                <a:solidFill>
+                  <a:srgbClr val="FF0000"/>
+                </a:solidFill>
+              </a:rPr>
+              <a:t>(</a:t>
+            </a:r>
+            <a:r>
+              <a:rPr lang="en-US" sz="1300" dirty="0" err="1" smtClean="0">
+                <a:solidFill>
+                  <a:srgbClr val="FF0000"/>
+                </a:solidFill>
+              </a:rPr>
+              <a:t>Serras</a:t>
+            </a:r>
+            <a:r>
+              <a:rPr lang="en-US" sz="1300" dirty="0" smtClean="0">
+                <a:solidFill>
+                  <a:srgbClr val="FF0000"/>
+                </a:solidFill>
+              </a:rPr>
+              <a:t>)</a:t>
+            </a:r>
+            <a:endParaRPr lang="en-US" sz="1300" dirty="0" smtClean="0">
+              <a:solidFill>
+                <a:srgbClr val="FF0000"/>
+              </a:solidFill>
+            </a:endParaRPr>
           </a:p>
           <a:p>
             <a:r>
@@ -2123,8 +2188,37 @@
             </a:r>
             <a:r>
               <a:rPr lang="en-US" sz="1300" dirty="0" smtClean="0"/>
-              <a:t>Scenario</a:t>
-            </a:r>
+              <a:t>Scenario </a:t>
+            </a:r>
+            <a:r>
+              <a:rPr lang="en-US" sz="1300" dirty="0" smtClean="0">
+                <a:solidFill>
+                  <a:srgbClr val="FF0000"/>
+                </a:solidFill>
+              </a:rPr>
+              <a:t>(</a:t>
+            </a:r>
+            <a:r>
+              <a:rPr lang="en-US" sz="1300" dirty="0" err="1" smtClean="0">
+                <a:solidFill>
+                  <a:srgbClr val="FF0000"/>
+                </a:solidFill>
+              </a:rPr>
+              <a:t>Pozdnukov</a:t>
+            </a:r>
+            <a:r>
+              <a:rPr lang="en-US" sz="1300" dirty="0" smtClean="0">
+                <a:solidFill>
+                  <a:srgbClr val="FF0000"/>
+                </a:solidFill>
+              </a:rPr>
+              <a:t>)</a:t>
+            </a:r>
+            <a:endParaRPr lang="en-US" sz="1300" dirty="0" smtClean="0">
+              <a:solidFill>
+                <a:srgbClr val="FF0000"/>
+              </a:solidFill>
+            </a:endParaRPr>
           </a:p>
           <a:p>
             <a:endParaRPr lang="en-US" sz="1300" dirty="0" smtClean="0"/>
@@ -2132,30 +2226,130 @@
           <a:p>
             <a:r>
               <a:rPr lang="en-US" sz="1300" dirty="0" smtClean="0"/>
-              <a:t>Accessibility</a:t>
-            </a:r>
-            <a:endParaRPr lang="en-US" sz="1300" dirty="0"/>
+              <a:t>Accessibility </a:t>
+            </a:r>
+            <a:r>
+              <a:rPr lang="en-US" sz="1300" dirty="0" smtClean="0">
+                <a:solidFill>
+                  <a:srgbClr val="FF0000"/>
+                </a:solidFill>
+              </a:rPr>
+              <a:t>(</a:t>
+            </a:r>
+            <a:r>
+              <a:rPr lang="en-US" sz="1300" dirty="0" err="1" smtClean="0">
+                <a:solidFill>
+                  <a:srgbClr val="FF0000"/>
+                </a:solidFill>
+              </a:rPr>
+              <a:t>Ziemke</a:t>
+            </a:r>
+            <a:r>
+              <a:rPr lang="en-US" sz="1300" dirty="0" smtClean="0">
+                <a:solidFill>
+                  <a:srgbClr val="FF0000"/>
+                </a:solidFill>
+              </a:rPr>
+              <a:t>)</a:t>
+            </a:r>
+            <a:endParaRPr lang="en-US" sz="1300" dirty="0">
+              <a:solidFill>
+                <a:srgbClr val="FF0000"/>
+              </a:solidFill>
+            </a:endParaRPr>
           </a:p>
           <a:p>
             <a:r>
               <a:rPr lang="en-US" sz="1300" dirty="0" smtClean="0"/>
-              <a:t>MATSim4Urbansim</a:t>
-            </a:r>
-            <a:endParaRPr lang="en-US" sz="1300" dirty="0"/>
+              <a:t>MATSim4Urbansim </a:t>
+            </a:r>
+            <a:r>
+              <a:rPr lang="en-US" sz="1300" dirty="0" smtClean="0">
+                <a:solidFill>
+                  <a:srgbClr val="FF0000"/>
+                </a:solidFill>
+              </a:rPr>
+              <a:t>(Nagel)</a:t>
+            </a:r>
+            <a:endParaRPr lang="en-US" sz="1300" dirty="0">
+              <a:solidFill>
+                <a:srgbClr val="FF0000"/>
+              </a:solidFill>
+            </a:endParaRPr>
           </a:p>
           <a:p>
             <a:r>
-              <a:rPr lang="en-US" sz="1300" dirty="0" err="1"/>
+              <a:rPr lang="en-US" sz="1300" dirty="0" err="1" smtClean="0"/>
               <a:t>Cadyts</a:t>
             </a:r>
-            <a:endParaRPr lang="en-US" sz="1300" dirty="0"/>
+            <a:r>
+              <a:rPr lang="en-US" sz="1300" dirty="0" smtClean="0"/>
+              <a:t> </a:t>
+            </a:r>
+            <a:r>
+              <a:rPr lang="en-US" sz="1300" dirty="0" smtClean="0">
+                <a:solidFill>
+                  <a:srgbClr val="FF0000"/>
+                </a:solidFill>
+              </a:rPr>
+              <a:t>(Nagel w./ </a:t>
+            </a:r>
+            <a:r>
+              <a:rPr lang="en-US" sz="1300" dirty="0" err="1" smtClean="0">
+                <a:solidFill>
+                  <a:srgbClr val="FF0000"/>
+                </a:solidFill>
+              </a:rPr>
+              <a:t>Flötteröd</a:t>
+            </a:r>
+            <a:r>
+              <a:rPr lang="en-US" sz="1300" dirty="0" smtClean="0">
+                <a:solidFill>
+                  <a:srgbClr val="FF0000"/>
+                </a:solidFill>
+              </a:rPr>
+              <a:t>)</a:t>
+            </a:r>
+            <a:endParaRPr lang="en-US" sz="1300" dirty="0">
+              <a:solidFill>
+                <a:srgbClr val="FF0000"/>
+              </a:solidFill>
+            </a:endParaRPr>
           </a:p>
           <a:p>
             <a:r>
               <a:rPr lang="en-US" sz="1300" dirty="0" err="1" smtClean="0"/>
               <a:t>OTFVis</a:t>
             </a:r>
-            <a:endParaRPr lang="en-US" sz="1300" dirty="0" smtClean="0"/>
+            <a:r>
+              <a:rPr lang="en-US" sz="1300" dirty="0" smtClean="0">
+                <a:solidFill>
+                  <a:srgbClr val="FF0000"/>
+                </a:solidFill>
+              </a:rPr>
+              <a:t> (Nagel w./ </a:t>
+            </a:r>
+            <a:r>
+              <a:rPr lang="en-US" sz="1300" dirty="0" err="1" smtClean="0">
+                <a:solidFill>
+                  <a:srgbClr val="FF0000"/>
+                </a:solidFill>
+              </a:rPr>
+              <a:t>Zilske</a:t>
+            </a:r>
+            <a:r>
+              <a:rPr lang="en-US" sz="1300" dirty="0" smtClean="0">
+                <a:solidFill>
+                  <a:srgbClr val="FF0000"/>
+                </a:solidFill>
+              </a:rPr>
+              <a:t>)</a:t>
+            </a:r>
+            <a:endParaRPr lang="en-US" sz="1300" dirty="0" smtClean="0">
+              <a:solidFill>
+                <a:srgbClr val="FF0000"/>
+              </a:solidFill>
+            </a:endParaRPr>
           </a:p>
           <a:p>
             <a:endParaRPr lang="en-US" sz="1300" dirty="0" smtClean="0"/>
@@ -2163,12 +2357,37 @@
           <a:p>
             <a:r>
               <a:rPr lang="en-US" dirty="0" smtClean="0"/>
-              <a:t>Research </a:t>
-            </a:r>
-            <a:r>
-              <a:rPr lang="en-US" dirty="0"/>
-              <a:t>Avenues</a:t>
-            </a:r>
+              <a:t>Res. Avenues </a:t>
+            </a:r>
+            <a:r>
+              <a:rPr lang="en-US" dirty="0" smtClean="0">
+                <a:solidFill>
+                  <a:srgbClr val="FF0000"/>
+                </a:solidFill>
+              </a:rPr>
+              <a:t>(</a:t>
+            </a:r>
+            <a:r>
+              <a:rPr lang="en-US" dirty="0">
+                <a:solidFill>
+                  <a:srgbClr val="FF0000"/>
+                </a:solidFill>
+              </a:rPr>
+              <a:t>N</a:t>
+            </a:r>
+            <a:r>
+              <a:rPr lang="en-US" dirty="0" smtClean="0">
+                <a:solidFill>
+                  <a:srgbClr val="FF0000"/>
+                </a:solidFill>
+              </a:rPr>
+              <a:t>agel, Axhausen)</a:t>
+            </a:r>
+            <a:endParaRPr lang="en-US" dirty="0">
+              <a:solidFill>
+                <a:srgbClr val="FF0000"/>
+              </a:solidFill>
+            </a:endParaRPr>
           </a:p>
           <a:p>
             <a:endParaRPr lang="en-US" dirty="0"/>

--- a/admin/timeline.pptx
+++ b/admin/timeline.pptx
@@ -2068,8 +2068,8 @@
         </p:nvSpPr>
         <p:spPr>
           <a:xfrm>
-            <a:off x="-5439" y="1628800"/>
-            <a:ext cx="2964664" cy="2088232"/>
+            <a:off x="-5439" y="1484784"/>
+            <a:ext cx="2964664" cy="2823358"/>
           </a:xfrm>
           <a:prstGeom prst="rect">
             <a:avLst/>
@@ -2102,11 +2102,7 @@
           <a:p>
             <a:r>
               <a:rPr lang="en-US" sz="1300" dirty="0" smtClean="0"/>
-              <a:t>Tampa </a:t>
-            </a:r>
-            <a:r>
-              <a:rPr lang="en-US" sz="1300" dirty="0" smtClean="0"/>
-              <a:t>Scenario </a:t>
+              <a:t>Tampa Scenario </a:t>
             </a:r>
             <a:r>
               <a:rPr lang="en-US" sz="1300" dirty="0" smtClean="0">
@@ -2141,11 +2137,7 @@
           <a:p>
             <a:r>
               <a:rPr lang="en-US" sz="1300" dirty="0" smtClean="0"/>
-              <a:t>London </a:t>
-            </a:r>
-            <a:r>
-              <a:rPr lang="en-US" sz="1300" dirty="0" smtClean="0"/>
-              <a:t>Scenario </a:t>
+              <a:t>London Scenario </a:t>
             </a:r>
             <a:r>
               <a:rPr lang="en-US" sz="1300" dirty="0" smtClean="0">
@@ -2171,11 +2163,6 @@
               </a:rPr>
               <a:t>)</a:t>
             </a:r>
-            <a:endParaRPr lang="en-US" sz="1300" dirty="0" smtClean="0">
-              <a:solidFill>
-                <a:srgbClr val="FF0000"/>
-              </a:solidFill>
-            </a:endParaRPr>
           </a:p>
           <a:p>
             <a:r>
@@ -2214,11 +2201,68 @@
               </a:rPr>
               <a:t>)</a:t>
             </a:r>
-            <a:endParaRPr lang="en-US" sz="1300" dirty="0" smtClean="0">
-              <a:solidFill>
-                <a:srgbClr val="FF0000"/>
-              </a:solidFill>
-            </a:endParaRPr>
+          </a:p>
+          <a:p>
+            <a:r>
+              <a:rPr lang="en-US" sz="1300" dirty="0" err="1" smtClean="0"/>
+              <a:t>Aliaga</a:t>
+            </a:r>
+            <a:r>
+              <a:rPr lang="en-US" sz="1300" dirty="0" smtClean="0"/>
+              <a:t> Scenario </a:t>
+            </a:r>
+            <a:r>
+              <a:rPr lang="en-US" sz="1300" dirty="0" smtClean="0">
+                <a:solidFill>
+                  <a:srgbClr val="FF0000"/>
+                </a:solidFill>
+              </a:rPr>
+              <a:t>(</a:t>
+            </a:r>
+            <a:r>
+              <a:rPr lang="en-US" sz="1300" dirty="0" err="1" smtClean="0">
+                <a:solidFill>
+                  <a:srgbClr val="FF0000"/>
+                </a:solidFill>
+              </a:rPr>
+              <a:t>Onelcin</a:t>
+            </a:r>
+            <a:r>
+              <a:rPr lang="en-US" sz="1300" dirty="0" smtClean="0">
+                <a:solidFill>
+                  <a:srgbClr val="FF0000"/>
+                </a:solidFill>
+              </a:rPr>
+              <a:t>)</a:t>
+            </a:r>
+          </a:p>
+          <a:p>
+            <a:r>
+              <a:rPr lang="en-US" sz="1300" dirty="0" smtClean="0"/>
+              <a:t>Belgium Scenario </a:t>
+            </a:r>
+            <a:r>
+              <a:rPr lang="en-US" sz="1300" dirty="0" smtClean="0">
+                <a:solidFill>
+                  <a:srgbClr val="FF0000"/>
+                </a:solidFill>
+              </a:rPr>
+              <a:t>(Cools)</a:t>
+            </a:r>
+          </a:p>
+          <a:p>
+            <a:r>
+              <a:rPr lang="en-US" sz="1300" dirty="0" smtClean="0"/>
+              <a:t>Caracas Scenario </a:t>
+            </a:r>
+            <a:r>
+              <a:rPr lang="en-US" sz="1300" dirty="0" smtClean="0">
+                <a:solidFill>
+                  <a:srgbClr val="FF0000"/>
+                </a:solidFill>
+              </a:rPr>
+              <a:t>(Navarro)</a:t>
+            </a:r>
           </a:p>
           <a:p>
             <a:endParaRPr lang="en-US" sz="1300" dirty="0" smtClean="0"/>
@@ -2345,11 +2389,6 @@
               </a:rPr>
               <a:t>)</a:t>
             </a:r>
-            <a:endParaRPr lang="en-US" sz="1300" dirty="0" smtClean="0">
-              <a:solidFill>
-                <a:srgbClr val="FF0000"/>
-              </a:solidFill>
-            </a:endParaRPr>
           </a:p>
           <a:p>
             <a:endParaRPr lang="en-US" sz="1300" dirty="0" smtClean="0"/>
@@ -2431,7 +2470,7 @@
         </p:nvSpPr>
         <p:spPr>
           <a:xfrm>
-            <a:off x="2267744" y="811928"/>
+            <a:off x="2267744" y="764704"/>
             <a:ext cx="1167307" cy="707886"/>
           </a:xfrm>
           <a:prstGeom prst="rect">

--- a/admin/timeline.pptx
+++ b/admin/timeline.pptx
@@ -2194,13 +2194,20 @@
               <a:t>Pozdnukov</a:t>
             </a:r>
             <a:r>
-              <a:rPr lang="en-US" sz="1300" dirty="0" smtClean="0">
+              <a:rPr lang="en-US" sz="1300" smtClean="0">
                 <a:solidFill>
                   <a:srgbClr val="FF0000"/>
                 </a:solidFill>
               </a:rPr>
               <a:t>)</a:t>
             </a:r>
+          </a:p>
+          <a:p>
+            <a:endParaRPr lang="en-US" sz="1300" dirty="0" smtClean="0">
+              <a:solidFill>
+                <a:srgbClr val="FF0000"/>
+              </a:solidFill>
+            </a:endParaRPr>
           </a:p>
           <a:p>
             <a:r>
@@ -2324,11 +2331,7 @@
           <a:p>
             <a:r>
               <a:rPr lang="en-US" sz="1300" dirty="0" err="1" smtClean="0"/>
-              <a:t>Cadyts</a:t>
-            </a:r>
-            <a:r>
-              <a:rPr lang="en-US" sz="1300" dirty="0" smtClean="0"/>
-              <a:t> </a:t>
+              <a:t>OTFVis</a:t>
             </a:r>
             <a:r>
               <a:rPr lang="en-US" sz="1300" dirty="0" smtClean="0">
@@ -2336,15 +2339,7 @@
                   <a:srgbClr val="FF0000"/>
                 </a:solidFill>
               </a:rPr>
-              <a:t>(Nagel w./ </a:t>
-            </a:r>
-            <a:r>
-              <a:rPr lang="en-US" sz="1300" dirty="0" err="1" smtClean="0">
-                <a:solidFill>
-                  <a:srgbClr val="FF0000"/>
-                </a:solidFill>
-              </a:rPr>
-              <a:t>Flötteröd</a:t>
+              <a:t> </a:t>
             </a:r>
             <a:r>
               <a:rPr lang="en-US" sz="1300" dirty="0" smtClean="0">
@@ -2352,26 +2347,7 @@
                   <a:srgbClr val="FF0000"/>
                 </a:solidFill>
               </a:rPr>
-              <a:t>)</a:t>
-            </a:r>
-            <a:endParaRPr lang="en-US" sz="1300" dirty="0">
-              <a:solidFill>
-                <a:srgbClr val="FF0000"/>
-              </a:solidFill>
-            </a:endParaRPr>
-          </a:p>
-          <a:p>
-            <a:r>
-              <a:rPr lang="en-US" sz="1300" dirty="0" err="1" smtClean="0"/>
-              <a:t>OTFVis</a:t>
-            </a:r>
-            <a:r>
-              <a:rPr lang="en-US" sz="1300" dirty="0" smtClean="0">
-                <a:solidFill>
-                  <a:srgbClr val="FF0000"/>
-                </a:solidFill>
-              </a:rPr>
-              <a:t> (Nagel w./ </a:t>
+              <a:t>(Nagel w./ </a:t>
             </a:r>
             <a:r>
               <a:rPr lang="en-US" sz="1300" dirty="0" err="1" smtClean="0">

--- a/admin/timeline.pptx
+++ b/admin/timeline.pptx
@@ -2069,7 +2069,7 @@
         <p:spPr>
           <a:xfrm>
             <a:off x="-5439" y="1484784"/>
-            <a:ext cx="2964664" cy="2823358"/>
+            <a:ext cx="2964664" cy="2664296"/>
           </a:xfrm>
           <a:prstGeom prst="rect">
             <a:avLst/>
@@ -2194,7 +2194,7 @@
               <a:t>Pozdnukov</a:t>
             </a:r>
             <a:r>
-              <a:rPr lang="en-US" sz="1300" smtClean="0">
+              <a:rPr lang="en-US" sz="1300" dirty="0" smtClean="0">
                 <a:solidFill>
                   <a:srgbClr val="FF0000"/>
                 </a:solidFill>
@@ -2311,8 +2311,8 @@
           </a:p>
           <a:p>
             <a:r>
-              <a:rPr lang="en-US" sz="1300" dirty="0" smtClean="0"/>
-              <a:t>MATSim4Urbansim </a:t>
+              <a:rPr lang="en-US" sz="1300" dirty="0" err="1" smtClean="0"/>
+              <a:t>OTFVis</a:t>
             </a:r>
             <a:r>
               <a:rPr lang="en-US" sz="1300" dirty="0" smtClean="0">
@@ -2320,18 +2320,7 @@
                   <a:srgbClr val="FF0000"/>
                 </a:solidFill>
               </a:rPr>
-              <a:t>(Nagel)</a:t>
-            </a:r>
-            <a:endParaRPr lang="en-US" sz="1300" dirty="0">
-              <a:solidFill>
-                <a:srgbClr val="FF0000"/>
-              </a:solidFill>
-            </a:endParaRPr>
-          </a:p>
-          <a:p>
-            <a:r>
-              <a:rPr lang="en-US" sz="1300" dirty="0" err="1" smtClean="0"/>
-              <a:t>OTFVis</a:t>
+              <a:t> </a:t>
             </a:r>
             <a:r>
               <a:rPr lang="en-US" sz="1300" dirty="0" smtClean="0">
@@ -2339,7 +2328,15 @@
                   <a:srgbClr val="FF0000"/>
                 </a:solidFill>
               </a:rPr>
-              <a:t> </a:t>
+              <a:t>(Nagel w./ </a:t>
+            </a:r>
+            <a:r>
+              <a:rPr lang="en-US" sz="1300" dirty="0" err="1" smtClean="0">
+                <a:solidFill>
+                  <a:srgbClr val="FF0000"/>
+                </a:solidFill>
+              </a:rPr>
+              <a:t>Zilske</a:t>
             </a:r>
             <a:r>
               <a:rPr lang="en-US" sz="1300" dirty="0" smtClean="0">
@@ -2347,15 +2344,16 @@
                   <a:srgbClr val="FF0000"/>
                 </a:solidFill>
               </a:rPr>
-              <a:t>(Nagel w./ </a:t>
-            </a:r>
-            <a:r>
-              <a:rPr lang="en-US" sz="1300" dirty="0" err="1" smtClean="0">
-                <a:solidFill>
-                  <a:srgbClr val="FF0000"/>
-                </a:solidFill>
-              </a:rPr>
-              <a:t>Zilske</a:t>
+              <a:t>)</a:t>
+            </a:r>
+          </a:p>
+          <a:p>
+            <a:endParaRPr lang="en-US" sz="1300" dirty="0" smtClean="0"/>
+          </a:p>
+          <a:p>
+            <a:r>
+              <a:rPr lang="en-US" dirty="0" smtClean="0"/>
+              <a:t>Res. Avenues </a:t>
             </a:r>
             <a:r>
               <a:rPr lang="en-US" sz="1300" dirty="0" smtClean="0">
@@ -2363,42 +2361,25 @@
                   <a:srgbClr val="FF0000"/>
                 </a:solidFill>
               </a:rPr>
-              <a:t>)</a:t>
-            </a:r>
-          </a:p>
-          <a:p>
-            <a:endParaRPr lang="en-US" sz="1300" dirty="0" smtClean="0"/>
-          </a:p>
-          <a:p>
-            <a:r>
-              <a:rPr lang="en-US" dirty="0" smtClean="0"/>
-              <a:t>Res. Avenues </a:t>
-            </a:r>
-            <a:r>
-              <a:rPr lang="en-US" dirty="0" smtClean="0">
+              <a:t>(</a:t>
+            </a:r>
+            <a:r>
+              <a:rPr lang="en-US" sz="1300" dirty="0">
                 <a:solidFill>
                   <a:srgbClr val="FF0000"/>
                 </a:solidFill>
               </a:rPr>
-              <a:t>(</a:t>
-            </a:r>
-            <a:r>
-              <a:rPr lang="en-US" dirty="0">
+              <a:t>N</a:t>
+            </a:r>
+            <a:r>
+              <a:rPr lang="en-US" sz="1300" dirty="0" smtClean="0">
                 <a:solidFill>
                   <a:srgbClr val="FF0000"/>
                 </a:solidFill>
               </a:rPr>
-              <a:t>N</a:t>
-            </a:r>
-            <a:r>
-              <a:rPr lang="en-US" dirty="0" smtClean="0">
-                <a:solidFill>
-                  <a:srgbClr val="FF0000"/>
-                </a:solidFill>
-              </a:rPr>
               <a:t>agel, Axhausen)</a:t>
             </a:r>
-            <a:endParaRPr lang="en-US" dirty="0">
+            <a:endParaRPr lang="en-US" sz="1300" dirty="0">
               <a:solidFill>
                 <a:srgbClr val="FF0000"/>
               </a:solidFill>

--- a/admin/timeline.pptx
+++ b/admin/timeline.pptx
@@ -2069,7 +2069,7 @@
         <p:spPr>
           <a:xfrm>
             <a:off x="-5439" y="1484784"/>
-            <a:ext cx="2964664" cy="2664296"/>
+            <a:ext cx="2964664" cy="2448272"/>
           </a:xfrm>
           <a:prstGeom prst="rect">
             <a:avLst/>
@@ -2211,12 +2211,43 @@
           </a:p>
           <a:p>
             <a:r>
-              <a:rPr lang="en-US" sz="1300" dirty="0" err="1" smtClean="0"/>
-              <a:t>Aliaga</a:t>
-            </a:r>
-            <a:r>
               <a:rPr lang="en-US" sz="1300" dirty="0" smtClean="0"/>
-              <a:t> Scenario </a:t>
+              <a:t>Belgium </a:t>
+            </a:r>
+            <a:r>
+              <a:rPr lang="en-US" sz="1300" dirty="0" smtClean="0"/>
+              <a:t>Scenario </a:t>
+            </a:r>
+            <a:r>
+              <a:rPr lang="en-US" sz="1300" dirty="0" smtClean="0">
+                <a:solidFill>
+                  <a:srgbClr val="FF0000"/>
+                </a:solidFill>
+              </a:rPr>
+              <a:t>(Cools)</a:t>
+            </a:r>
+          </a:p>
+          <a:p>
+            <a:r>
+              <a:rPr lang="en-US" sz="1300" dirty="0" smtClean="0"/>
+              <a:t>Caracas Scenario </a:t>
+            </a:r>
+            <a:r>
+              <a:rPr lang="en-US" sz="1300" dirty="0" smtClean="0">
+                <a:solidFill>
+                  <a:srgbClr val="FF0000"/>
+                </a:solidFill>
+              </a:rPr>
+              <a:t>(Navarro)</a:t>
+            </a:r>
+          </a:p>
+          <a:p>
+            <a:endParaRPr lang="en-US" sz="1300" dirty="0" smtClean="0"/>
+          </a:p>
+          <a:p>
+            <a:r>
+              <a:rPr lang="en-US" sz="1300" dirty="0" smtClean="0"/>
+              <a:t>Accessibility </a:t>
             </a:r>
             <a:r>
               <a:rPr lang="en-US" sz="1300" dirty="0" smtClean="0">
@@ -2232,7 +2263,7 @@
                   <a:srgbClr val="FF0000"/>
                 </a:solidFill>
               </a:rPr>
-              <a:t>Onelcin</a:t>
+              <a:t>Ziemke</a:t>
             </a:r>
             <a:r>
               <a:rPr lang="en-US" sz="1300" dirty="0" smtClean="0">
@@ -2242,11 +2273,16 @@
               </a:rPr>
               <a:t>)</a:t>
             </a:r>
-          </a:p>
-          <a:p>
-            <a:r>
-              <a:rPr lang="en-US" sz="1300" dirty="0" smtClean="0"/>
-              <a:t>Belgium Scenario </a:t>
+            <a:endParaRPr lang="en-US" sz="1300" dirty="0">
+              <a:solidFill>
+                <a:srgbClr val="FF0000"/>
+              </a:solidFill>
+            </a:endParaRPr>
+          </a:p>
+          <a:p>
+            <a:r>
+              <a:rPr lang="en-US" sz="1300" dirty="0" err="1" smtClean="0"/>
+              <a:t>OTFVis</a:t>
             </a:r>
             <a:r>
               <a:rPr lang="en-US" sz="1300" dirty="0" smtClean="0">
@@ -2254,81 +2290,7 @@
                   <a:srgbClr val="FF0000"/>
                 </a:solidFill>
               </a:rPr>
-              <a:t>(Cools)</a:t>
-            </a:r>
-          </a:p>
-          <a:p>
-            <a:r>
-              <a:rPr lang="en-US" sz="1300" dirty="0" smtClean="0"/>
-              <a:t>Caracas Scenario </a:t>
-            </a:r>
-            <a:r>
-              <a:rPr lang="en-US" sz="1300" dirty="0" smtClean="0">
-                <a:solidFill>
-                  <a:srgbClr val="FF0000"/>
-                </a:solidFill>
-              </a:rPr>
-              <a:t>(Navarro)</a:t>
-            </a:r>
-          </a:p>
-          <a:p>
-            <a:endParaRPr lang="en-US" sz="1300" dirty="0" smtClean="0"/>
-          </a:p>
-          <a:p>
-            <a:r>
-              <a:rPr lang="en-US" sz="1300" dirty="0" smtClean="0"/>
-              <a:t>Accessibility </a:t>
-            </a:r>
-            <a:r>
-              <a:rPr lang="en-US" sz="1300" dirty="0" smtClean="0">
-                <a:solidFill>
-                  <a:srgbClr val="FF0000"/>
-                </a:solidFill>
-              </a:rPr>
-              <a:t>(</a:t>
-            </a:r>
-            <a:r>
-              <a:rPr lang="en-US" sz="1300" dirty="0" err="1" smtClean="0">
-                <a:solidFill>
-                  <a:srgbClr val="FF0000"/>
-                </a:solidFill>
-              </a:rPr>
-              <a:t>Ziemke</a:t>
-            </a:r>
-            <a:r>
-              <a:rPr lang="en-US" sz="1300" dirty="0" smtClean="0">
-                <a:solidFill>
-                  <a:srgbClr val="FF0000"/>
-                </a:solidFill>
-              </a:rPr>
-              <a:t>)</a:t>
-            </a:r>
-            <a:endParaRPr lang="en-US" sz="1300" dirty="0">
-              <a:solidFill>
-                <a:srgbClr val="FF0000"/>
-              </a:solidFill>
-            </a:endParaRPr>
-          </a:p>
-          <a:p>
-            <a:r>
-              <a:rPr lang="en-US" sz="1300" dirty="0" err="1" smtClean="0"/>
-              <a:t>OTFVis</a:t>
-            </a:r>
-            <a:r>
-              <a:rPr lang="en-US" sz="1300" dirty="0" smtClean="0">
-                <a:solidFill>
-                  <a:srgbClr val="FF0000"/>
-                </a:solidFill>
-              </a:rPr>
-              <a:t> </a:t>
-            </a:r>
-            <a:r>
-              <a:rPr lang="en-US" sz="1300" dirty="0" smtClean="0">
-                <a:solidFill>
-                  <a:srgbClr val="FF0000"/>
-                </a:solidFill>
-              </a:rPr>
-              <a:t>(Nagel w./ </a:t>
+              <a:t> (Nagel w./ </a:t>
             </a:r>
             <a:r>
               <a:rPr lang="en-US" sz="1300" dirty="0" err="1" smtClean="0">

--- a/admin/timeline.pptx
+++ b/admin/timeline.pptx
@@ -2136,8 +2136,16 @@
           </a:p>
           <a:p>
             <a:r>
+              <a:rPr lang="en-US" sz="1300" smtClean="0"/>
+              <a:t>SF </a:t>
+            </a:r>
+            <a:r>
+              <a:rPr lang="en-US" sz="1300" dirty="0"/>
+              <a:t>Bay </a:t>
+            </a:r>
+            <a:r>
               <a:rPr lang="en-US" sz="1300" dirty="0" smtClean="0"/>
-              <a:t>London Scenario </a:t>
+              <a:t>Scenario </a:t>
             </a:r>
             <a:r>
               <a:rPr lang="en-US" sz="1300" dirty="0" smtClean="0">
@@ -2153,7 +2161,7 @@
                   <a:srgbClr val="FF0000"/>
                 </a:solidFill>
               </a:rPr>
-              <a:t>Serras</a:t>
+              <a:t>Pozdnukov</a:t>
             </a:r>
             <a:r>
               <a:rPr lang="en-US" sz="1300" dirty="0" smtClean="0">
@@ -2165,44 +2173,6 @@
             </a:r>
           </a:p>
           <a:p>
-            <a:r>
-              <a:rPr lang="en-US" sz="1300" dirty="0" smtClean="0"/>
-              <a:t>SF </a:t>
-            </a:r>
-            <a:r>
-              <a:rPr lang="en-US" sz="1300" dirty="0"/>
-              <a:t>Bay </a:t>
-            </a:r>
-            <a:r>
-              <a:rPr lang="en-US" sz="1300" dirty="0" smtClean="0"/>
-              <a:t>Scenario </a:t>
-            </a:r>
-            <a:r>
-              <a:rPr lang="en-US" sz="1300" dirty="0" smtClean="0">
-                <a:solidFill>
-                  <a:srgbClr val="FF0000"/>
-                </a:solidFill>
-              </a:rPr>
-              <a:t>(</a:t>
-            </a:r>
-            <a:r>
-              <a:rPr lang="en-US" sz="1300" dirty="0" err="1" smtClean="0">
-                <a:solidFill>
-                  <a:srgbClr val="FF0000"/>
-                </a:solidFill>
-              </a:rPr>
-              <a:t>Pozdnukov</a:t>
-            </a:r>
-            <a:r>
-              <a:rPr lang="en-US" sz="1300" dirty="0" smtClean="0">
-                <a:solidFill>
-                  <a:srgbClr val="FF0000"/>
-                </a:solidFill>
-              </a:rPr>
-              <a:t>)</a:t>
-            </a:r>
-          </a:p>
-          <a:p>
             <a:endParaRPr lang="en-US" sz="1300" dirty="0" smtClean="0">
               <a:solidFill>
                 <a:srgbClr val="FF0000"/>
@@ -2212,11 +2182,7 @@
           <a:p>
             <a:r>
               <a:rPr lang="en-US" sz="1300" dirty="0" smtClean="0"/>
-              <a:t>Belgium </a:t>
-            </a:r>
-            <a:r>
-              <a:rPr lang="en-US" sz="1300" dirty="0" smtClean="0"/>
-              <a:t>Scenario </a:t>
+              <a:t>Belgium Scenario </a:t>
             </a:r>
             <a:r>
               <a:rPr lang="en-US" sz="1300" dirty="0" smtClean="0">

--- a/admin/timeline.pptx
+++ b/admin/timeline.pptx
@@ -2136,7 +2136,7 @@
           </a:p>
           <a:p>
             <a:r>
-              <a:rPr lang="en-US" sz="1300" smtClean="0"/>
+              <a:rPr lang="en-US" sz="1300" dirty="0" smtClean="0"/>
               <a:t>SF </a:t>
             </a:r>
             <a:r>
@@ -2274,6 +2274,29 @@
               </a:rPr>
               <a:t>)</a:t>
             </a:r>
+          </a:p>
+          <a:p>
+            <a:r>
+              <a:rPr lang="en-US" sz="1300" dirty="0" err="1" smtClean="0"/>
+              <a:t>Misc</a:t>
+            </a:r>
+            <a:r>
+              <a:rPr lang="en-US" sz="1300" dirty="0" smtClean="0"/>
+              <a:t> Modules </a:t>
+            </a:r>
+            <a:r>
+              <a:rPr lang="en-US" sz="1300" dirty="0" smtClean="0">
+                <a:solidFill>
+                  <a:srgbClr val="FF0000"/>
+                </a:solidFill>
+              </a:rPr>
+              <a:t>(Nagel)</a:t>
+            </a:r>
+            <a:endParaRPr lang="en-US" sz="1300" dirty="0" smtClean="0">
+              <a:solidFill>
+                <a:srgbClr val="FF0000"/>
+              </a:solidFill>
+            </a:endParaRPr>
           </a:p>
           <a:p>
             <a:endParaRPr lang="en-US" sz="1300" dirty="0" smtClean="0"/>

--- a/admin/timeline.pptx
+++ b/admin/timeline.pptx
@@ -2069,7 +2069,7 @@
         <p:spPr>
           <a:xfrm>
             <a:off x="-5439" y="1484784"/>
-            <a:ext cx="2964664" cy="2448272"/>
+            <a:ext cx="2964664" cy="2038536"/>
           </a:xfrm>
           <a:prstGeom prst="rect">
             <a:avLst/>
@@ -2173,6 +2173,90 @@
             </a:r>
           </a:p>
           <a:p>
+            <a:r>
+              <a:rPr lang="en-US" sz="1300" dirty="0" smtClean="0"/>
+              <a:t>Caracas </a:t>
+            </a:r>
+            <a:r>
+              <a:rPr lang="en-US" sz="1300" dirty="0" smtClean="0"/>
+              <a:t>Scenario </a:t>
+            </a:r>
+            <a:r>
+              <a:rPr lang="en-US" sz="1300" dirty="0" smtClean="0">
+                <a:solidFill>
+                  <a:srgbClr val="FF0000"/>
+                </a:solidFill>
+              </a:rPr>
+              <a:t>(Navarro)</a:t>
+            </a:r>
+          </a:p>
+          <a:p>
+            <a:endParaRPr lang="en-US" sz="1300" dirty="0" smtClean="0"/>
+          </a:p>
+          <a:p>
+            <a:r>
+              <a:rPr lang="en-US" sz="1300" dirty="0" smtClean="0"/>
+              <a:t>Accessibility </a:t>
+            </a:r>
+            <a:r>
+              <a:rPr lang="en-US" sz="1300" dirty="0" smtClean="0">
+                <a:solidFill>
+                  <a:srgbClr val="FF0000"/>
+                </a:solidFill>
+              </a:rPr>
+              <a:t>(</a:t>
+            </a:r>
+            <a:r>
+              <a:rPr lang="en-US" sz="1300" dirty="0" err="1" smtClean="0">
+                <a:solidFill>
+                  <a:srgbClr val="FF0000"/>
+                </a:solidFill>
+              </a:rPr>
+              <a:t>Ziemke</a:t>
+            </a:r>
+            <a:r>
+              <a:rPr lang="en-US" sz="1300" dirty="0" smtClean="0">
+                <a:solidFill>
+                  <a:srgbClr val="FF0000"/>
+                </a:solidFill>
+              </a:rPr>
+              <a:t>)</a:t>
+            </a:r>
+            <a:endParaRPr lang="en-US" sz="1300" dirty="0">
+              <a:solidFill>
+                <a:srgbClr val="FF0000"/>
+              </a:solidFill>
+            </a:endParaRPr>
+          </a:p>
+          <a:p>
+            <a:r>
+              <a:rPr lang="en-US" sz="1300" dirty="0" err="1" smtClean="0"/>
+              <a:t>OTFVis</a:t>
+            </a:r>
+            <a:r>
+              <a:rPr lang="en-US" sz="1300" dirty="0" smtClean="0">
+                <a:solidFill>
+                  <a:srgbClr val="FF0000"/>
+                </a:solidFill>
+              </a:rPr>
+              <a:t> </a:t>
+            </a:r>
+            <a:r>
+              <a:rPr lang="en-US" sz="1300" dirty="0" smtClean="0">
+                <a:solidFill>
+                  <a:srgbClr val="FF0000"/>
+                </a:solidFill>
+              </a:rPr>
+              <a:t>(</a:t>
+            </a:r>
+            <a:r>
+              <a:rPr lang="en-US" sz="1300" smtClean="0">
+                <a:solidFill>
+                  <a:srgbClr val="FF0000"/>
+                </a:solidFill>
+              </a:rPr>
+              <a:t>Strippgen)</a:t>
+            </a:r>
             <a:endParaRPr lang="en-US" sz="1300" dirty="0" smtClean="0">
               <a:solidFill>
                 <a:srgbClr val="FF0000"/>
@@ -2181,102 +2265,6 @@
           </a:p>
           <a:p>
             <a:r>
-              <a:rPr lang="en-US" sz="1300" dirty="0" smtClean="0"/>
-              <a:t>Belgium Scenario </a:t>
-            </a:r>
-            <a:r>
-              <a:rPr lang="en-US" sz="1300" dirty="0" smtClean="0">
-                <a:solidFill>
-                  <a:srgbClr val="FF0000"/>
-                </a:solidFill>
-              </a:rPr>
-              <a:t>(Cools)</a:t>
-            </a:r>
-          </a:p>
-          <a:p>
-            <a:r>
-              <a:rPr lang="en-US" sz="1300" dirty="0" smtClean="0"/>
-              <a:t>Caracas Scenario </a:t>
-            </a:r>
-            <a:r>
-              <a:rPr lang="en-US" sz="1300" dirty="0" smtClean="0">
-                <a:solidFill>
-                  <a:srgbClr val="FF0000"/>
-                </a:solidFill>
-              </a:rPr>
-              <a:t>(Navarro)</a:t>
-            </a:r>
-          </a:p>
-          <a:p>
-            <a:endParaRPr lang="en-US" sz="1300" dirty="0" smtClean="0"/>
-          </a:p>
-          <a:p>
-            <a:r>
-              <a:rPr lang="en-US" sz="1300" dirty="0" smtClean="0"/>
-              <a:t>Accessibility </a:t>
-            </a:r>
-            <a:r>
-              <a:rPr lang="en-US" sz="1300" dirty="0" smtClean="0">
-                <a:solidFill>
-                  <a:srgbClr val="FF0000"/>
-                </a:solidFill>
-              </a:rPr>
-              <a:t>(</a:t>
-            </a:r>
-            <a:r>
-              <a:rPr lang="en-US" sz="1300" dirty="0" err="1" smtClean="0">
-                <a:solidFill>
-                  <a:srgbClr val="FF0000"/>
-                </a:solidFill>
-              </a:rPr>
-              <a:t>Ziemke</a:t>
-            </a:r>
-            <a:r>
-              <a:rPr lang="en-US" sz="1300" dirty="0" smtClean="0">
-                <a:solidFill>
-                  <a:srgbClr val="FF0000"/>
-                </a:solidFill>
-              </a:rPr>
-              <a:t>)</a:t>
-            </a:r>
-            <a:endParaRPr lang="en-US" sz="1300" dirty="0">
-              <a:solidFill>
-                <a:srgbClr val="FF0000"/>
-              </a:solidFill>
-            </a:endParaRPr>
-          </a:p>
-          <a:p>
-            <a:r>
-              <a:rPr lang="en-US" sz="1300" dirty="0" err="1" smtClean="0"/>
-              <a:t>OTFVis</a:t>
-            </a:r>
-            <a:r>
-              <a:rPr lang="en-US" sz="1300" dirty="0" smtClean="0">
-                <a:solidFill>
-                  <a:srgbClr val="FF0000"/>
-                </a:solidFill>
-              </a:rPr>
-              <a:t> (Nagel w./ </a:t>
-            </a:r>
-            <a:r>
-              <a:rPr lang="en-US" sz="1300" dirty="0" err="1" smtClean="0">
-                <a:solidFill>
-                  <a:srgbClr val="FF0000"/>
-                </a:solidFill>
-              </a:rPr>
-              <a:t>Zilske</a:t>
-            </a:r>
-            <a:r>
-              <a:rPr lang="en-US" sz="1300" dirty="0" smtClean="0">
-                <a:solidFill>
-                  <a:srgbClr val="FF0000"/>
-                </a:solidFill>
-              </a:rPr>
-              <a:t>)</a:t>
-            </a:r>
-          </a:p>
-          <a:p>
-            <a:r>
               <a:rPr lang="en-US" sz="1300" dirty="0" err="1" smtClean="0"/>
               <a:t>Misc</a:t>
             </a:r>
@@ -2292,11 +2280,6 @@
               </a:rPr>
               <a:t>(Nagel)</a:t>
             </a:r>
-            <a:endParaRPr lang="en-US" sz="1300" dirty="0" smtClean="0">
-              <a:solidFill>
-                <a:srgbClr val="FF0000"/>
-              </a:solidFill>
-            </a:endParaRPr>
           </a:p>
           <a:p>
             <a:endParaRPr lang="en-US" sz="1300" dirty="0" smtClean="0"/>

--- a/admin/timeline.pptx
+++ b/admin/timeline.pptx
@@ -2069,7 +2069,7 @@
         <p:spPr>
           <a:xfrm>
             <a:off x="-5439" y="1484784"/>
-            <a:ext cx="2964664" cy="2038536"/>
+            <a:ext cx="2964664" cy="1800200"/>
           </a:xfrm>
           <a:prstGeom prst="rect">
             <a:avLst/>
@@ -2175,11 +2175,7 @@
           <a:p>
             <a:r>
               <a:rPr lang="en-US" sz="1300" dirty="0" smtClean="0"/>
-              <a:t>Caracas </a:t>
-            </a:r>
-            <a:r>
-              <a:rPr lang="en-US" sz="1300" dirty="0" smtClean="0"/>
-              <a:t>Scenario </a:t>
+              <a:t>Caracas Scenario </a:t>
             </a:r>
             <a:r>
               <a:rPr lang="en-US" sz="1300" dirty="0" smtClean="0">
@@ -2231,46 +2227,15 @@
           <a:p>
             <a:r>
               <a:rPr lang="en-US" sz="1300" dirty="0" err="1" smtClean="0"/>
-              <a:t>OTFVis</a:t>
-            </a:r>
-            <a:r>
-              <a:rPr lang="en-US" sz="1300" dirty="0" smtClean="0">
-                <a:solidFill>
-                  <a:srgbClr val="FF0000"/>
-                </a:solidFill>
-              </a:rPr>
+              <a:t>Misc</a:t>
+            </a:r>
+            <a:r>
+              <a:rPr lang="en-US" sz="1300" dirty="0" smtClean="0"/>
               <a:t> </a:t>
             </a:r>
             <a:r>
-              <a:rPr lang="en-US" sz="1300" dirty="0" smtClean="0">
-                <a:solidFill>
-                  <a:srgbClr val="FF0000"/>
-                </a:solidFill>
-              </a:rPr>
-              <a:t>(</a:t>
-            </a:r>
-            <a:r>
-              <a:rPr lang="en-US" sz="1300" smtClean="0">
-                <a:solidFill>
-                  <a:srgbClr val="FF0000"/>
-                </a:solidFill>
-              </a:rPr>
-              <a:t>Strippgen)</a:t>
-            </a:r>
-            <a:endParaRPr lang="en-US" sz="1300" dirty="0" smtClean="0">
-              <a:solidFill>
-                <a:srgbClr val="FF0000"/>
-              </a:solidFill>
-            </a:endParaRPr>
-          </a:p>
-          <a:p>
-            <a:r>
-              <a:rPr lang="en-US" sz="1300" dirty="0" err="1" smtClean="0"/>
-              <a:t>Misc</a:t>
-            </a:r>
-            <a:r>
               <a:rPr lang="en-US" sz="1300" dirty="0" smtClean="0"/>
-              <a:t> Modules </a:t>
+              <a:t>Modules </a:t>
             </a:r>
             <a:r>
               <a:rPr lang="en-US" sz="1300" dirty="0" smtClean="0">

--- a/admin/timeline.pptx
+++ b/admin/timeline.pptx
@@ -2069,7 +2069,7 @@
         <p:spPr>
           <a:xfrm>
             <a:off x="-5439" y="1484784"/>
-            <a:ext cx="2964664" cy="1800200"/>
+            <a:ext cx="2964664" cy="1584176"/>
           </a:xfrm>
           <a:prstGeom prst="rect">
             <a:avLst/>
@@ -2188,41 +2188,6 @@
           </a:p>
           <a:p>
             <a:endParaRPr lang="en-US" sz="1300" dirty="0" smtClean="0"/>
-          </a:p>
-          <a:p>
-            <a:r>
-              <a:rPr lang="en-US" sz="1300" dirty="0" smtClean="0"/>
-              <a:t>Accessibility </a:t>
-            </a:r>
-            <a:r>
-              <a:rPr lang="en-US" sz="1300" dirty="0" smtClean="0">
-                <a:solidFill>
-                  <a:srgbClr val="FF0000"/>
-                </a:solidFill>
-              </a:rPr>
-              <a:t>(</a:t>
-            </a:r>
-            <a:r>
-              <a:rPr lang="en-US" sz="1300" dirty="0" err="1" smtClean="0">
-                <a:solidFill>
-                  <a:srgbClr val="FF0000"/>
-                </a:solidFill>
-              </a:rPr>
-              <a:t>Ziemke</a:t>
-            </a:r>
-            <a:r>
-              <a:rPr lang="en-US" sz="1300" dirty="0" smtClean="0">
-                <a:solidFill>
-                  <a:srgbClr val="FF0000"/>
-                </a:solidFill>
-              </a:rPr>
-              <a:t>)</a:t>
-            </a:r>
-            <a:endParaRPr lang="en-US" sz="1300" dirty="0">
-              <a:solidFill>
-                <a:srgbClr val="FF0000"/>
-              </a:solidFill>
-            </a:endParaRPr>
           </a:p>
           <a:p>
             <a:r>

--- a/admin/timeline.pptx
+++ b/admin/timeline.pptx
@@ -2069,7 +2069,7 @@
         <p:spPr>
           <a:xfrm>
             <a:off x="-5439" y="1484784"/>
-            <a:ext cx="2964664" cy="1584176"/>
+            <a:ext cx="2964664" cy="1512168"/>
           </a:xfrm>
           <a:prstGeom prst="rect">
             <a:avLst/>
@@ -2102,46 +2102,20 @@
           <a:p>
             <a:r>
               <a:rPr lang="en-US" sz="1300" dirty="0" smtClean="0"/>
-              <a:t>Tampa Scenario </a:t>
+              <a:t>Missing Items:</a:t>
             </a:r>
-            <a:r>
-              <a:rPr lang="en-US" sz="1300" dirty="0" smtClean="0">
-                <a:solidFill>
-                  <a:srgbClr val="FF0000"/>
-                </a:solidFill>
-              </a:rPr>
-              <a:t>(</a:t>
-            </a:r>
-            <a:r>
-              <a:rPr lang="en-US" sz="1300" dirty="0" err="1" smtClean="0">
-                <a:solidFill>
-                  <a:srgbClr val="FF0000"/>
-                </a:solidFill>
-              </a:rPr>
-              <a:t>Gurram</a:t>
-            </a:r>
-            <a:r>
-              <a:rPr lang="en-US" sz="1300" dirty="0" smtClean="0">
-                <a:solidFill>
-                  <a:srgbClr val="FF0000"/>
-                </a:solidFill>
-              </a:rPr>
-              <a:t>)</a:t>
-            </a:r>
-            <a:endParaRPr lang="en-US" sz="1300" dirty="0">
-              <a:solidFill>
-                <a:srgbClr val="FF0000"/>
-              </a:solidFill>
-            </a:endParaRPr>
           </a:p>
           <a:p>
+            <a:endParaRPr lang="en-US" sz="1300" dirty="0" smtClean="0"/>
+          </a:p>
+          <a:p>
+            <a:pPr marL="177800" indent="-177800">
+              <a:buFont typeface="Arial" panose="020B0604020202020204" pitchFamily="34" charset="0"/>
+              <a:buChar char="•"/>
+            </a:pPr>
             <a:r>
               <a:rPr lang="en-US" sz="1300" dirty="0" smtClean="0"/>
-              <a:t>SF </a:t>
-            </a:r>
-            <a:r>
-              <a:rPr lang="en-US" sz="1300" dirty="0"/>
-              <a:t>Bay </a:t>
+              <a:t>Caracas </a:t>
             </a:r>
             <a:r>
               <a:rPr lang="en-US" sz="1300" dirty="0" smtClean="0"/>
@@ -2153,54 +2127,28 @@
                   <a:srgbClr val="FF0000"/>
                 </a:solidFill>
               </a:rPr>
-              <a:t>(</a:t>
-            </a:r>
-            <a:r>
-              <a:rPr lang="en-US" sz="1300" dirty="0" err="1" smtClean="0">
-                <a:solidFill>
-                  <a:srgbClr val="FF0000"/>
-                </a:solidFill>
-              </a:rPr>
-              <a:t>Pozdnukov</a:t>
-            </a:r>
-            <a:r>
-              <a:rPr lang="en-US" sz="1300" dirty="0" smtClean="0">
-                <a:solidFill>
-                  <a:srgbClr val="FF0000"/>
-                </a:solidFill>
-              </a:rPr>
-              <a:t>)</a:t>
-            </a:r>
-          </a:p>
-          <a:p>
-            <a:r>
-              <a:rPr lang="en-US" sz="1300" dirty="0" smtClean="0"/>
-              <a:t>Caracas Scenario </a:t>
-            </a:r>
-            <a:r>
-              <a:rPr lang="en-US" sz="1300" dirty="0" smtClean="0">
-                <a:solidFill>
-                  <a:srgbClr val="FF0000"/>
-                </a:solidFill>
-              </a:rPr>
               <a:t>(Navarro)</a:t>
             </a:r>
           </a:p>
           <a:p>
+            <a:pPr marL="177800" indent="-177800">
+              <a:buFont typeface="Arial" panose="020B0604020202020204" pitchFamily="34" charset="0"/>
+              <a:buChar char="•"/>
+            </a:pPr>
             <a:endParaRPr lang="en-US" sz="1300" dirty="0" smtClean="0"/>
           </a:p>
           <a:p>
+            <a:pPr marL="177800" indent="-177800">
+              <a:buFont typeface="Arial" panose="020B0604020202020204" pitchFamily="34" charset="0"/>
+              <a:buChar char="•"/>
+            </a:pPr>
             <a:r>
               <a:rPr lang="en-US" sz="1300" dirty="0" err="1" smtClean="0"/>
               <a:t>Misc</a:t>
             </a:r>
             <a:r>
               <a:rPr lang="en-US" sz="1300" dirty="0" smtClean="0"/>
-              <a:t> </a:t>
-            </a:r>
-            <a:r>
-              <a:rPr lang="en-US" sz="1300" dirty="0" smtClean="0"/>
-              <a:t>Modules </a:t>
+              <a:t> Modules </a:t>
             </a:r>
             <a:r>
               <a:rPr lang="en-US" sz="1300" dirty="0" smtClean="0">
@@ -2212,9 +2160,17 @@
             </a:r>
           </a:p>
           <a:p>
+            <a:pPr marL="177800" indent="-177800">
+              <a:buFont typeface="Arial" panose="020B0604020202020204" pitchFamily="34" charset="0"/>
+              <a:buChar char="•"/>
+            </a:pPr>
             <a:endParaRPr lang="en-US" sz="1300" dirty="0" smtClean="0"/>
           </a:p>
           <a:p>
+            <a:pPr marL="177800" indent="-177800">
+              <a:buFont typeface="Arial" panose="020B0604020202020204" pitchFamily="34" charset="0"/>
+              <a:buChar char="•"/>
+            </a:pPr>
             <a:r>
               <a:rPr lang="en-US" dirty="0" smtClean="0"/>
               <a:t>Res. Avenues </a:t>

--- a/admin/timeline.pptx
+++ b/admin/timeline.pptx
@@ -2069,7 +2069,7 @@
         <p:spPr>
           <a:xfrm>
             <a:off x="-5439" y="1484784"/>
-            <a:ext cx="2964664" cy="1512168"/>
+            <a:ext cx="2964664" cy="1800200"/>
           </a:xfrm>
           <a:prstGeom prst="rect">
             <a:avLst/>
@@ -2114,12 +2114,16 @@
               <a:buChar char="•"/>
             </a:pPr>
             <a:r>
-              <a:rPr lang="en-US" sz="1300" dirty="0" smtClean="0"/>
-              <a:t>Caracas </a:t>
+              <a:rPr lang="en-US" sz="1300" dirty="0" err="1" smtClean="0"/>
+              <a:t>Misc</a:t>
             </a:r>
             <a:r>
               <a:rPr lang="en-US" sz="1300" dirty="0" smtClean="0"/>
-              <a:t>Scenario </a:t>
+              <a:t> </a:t>
+            </a:r>
+            <a:r>
+              <a:rPr lang="en-US" sz="1300" dirty="0" smtClean="0"/>
+              <a:t>Modules </a:t>
             </a:r>
             <a:r>
               <a:rPr lang="en-US" sz="1300" dirty="0" smtClean="0">
@@ -2127,28 +2131,7 @@
                   <a:srgbClr val="FF0000"/>
                 </a:solidFill>
               </a:rPr>
-              <a:t>(Navarro)</a:t>
-            </a:r>
-          </a:p>
-          <a:p>
-            <a:pPr marL="177800" indent="-177800">
-              <a:buFont typeface="Arial" panose="020B0604020202020204" pitchFamily="34" charset="0"/>
-              <a:buChar char="•"/>
-            </a:pPr>
-            <a:endParaRPr lang="en-US" sz="1300" dirty="0" smtClean="0"/>
-          </a:p>
-          <a:p>
-            <a:pPr marL="177800" indent="-177800">
-              <a:buFont typeface="Arial" panose="020B0604020202020204" pitchFamily="34" charset="0"/>
-              <a:buChar char="•"/>
-            </a:pPr>
-            <a:r>
-              <a:rPr lang="en-US" sz="1300" dirty="0" err="1" smtClean="0"/>
-              <a:t>Misc</a:t>
-            </a:r>
-            <a:r>
-              <a:rPr lang="en-US" sz="1300" dirty="0" smtClean="0"/>
-              <a:t> Modules </a:t>
+              <a:t>(Nagel</a:t>
             </a:r>
             <a:r>
               <a:rPr lang="en-US" sz="1300" dirty="0" smtClean="0">
@@ -2156,14 +2139,8 @@
                   <a:srgbClr val="FF0000"/>
                 </a:solidFill>
               </a:rPr>
-              <a:t>(Nagel)</a:t>
+              <a:t>)</a:t>
             </a:r>
-          </a:p>
-          <a:p>
-            <a:pPr marL="177800" indent="-177800">
-              <a:buFont typeface="Arial" panose="020B0604020202020204" pitchFamily="34" charset="0"/>
-              <a:buChar char="•"/>
-            </a:pPr>
             <a:endParaRPr lang="en-US" sz="1300" dirty="0" smtClean="0"/>
           </a:p>
           <a:p>
@@ -2206,6 +2183,44 @@
             </a:endParaRPr>
           </a:p>
           <a:p>
+            <a:pPr marL="177800" indent="-177800">
+              <a:buFont typeface="Arial" panose="020B0604020202020204" pitchFamily="34" charset="0"/>
+              <a:buChar char="•"/>
+            </a:pPr>
+            <a:r>
+              <a:rPr lang="en-US" dirty="0" smtClean="0"/>
+              <a:t>Tampa</a:t>
+            </a:r>
+          </a:p>
+          <a:p>
+            <a:pPr marL="177800" indent="-177800">
+              <a:buFont typeface="Arial" panose="020B0604020202020204" pitchFamily="34" charset="0"/>
+              <a:buChar char="•"/>
+            </a:pPr>
+            <a:r>
+              <a:rPr lang="en-US" dirty="0" smtClean="0"/>
+              <a:t>SF Bay Area</a:t>
+            </a:r>
+          </a:p>
+          <a:p>
+            <a:pPr marL="177800" indent="-177800">
+              <a:buFont typeface="Arial" panose="020B0604020202020204" pitchFamily="34" charset="0"/>
+              <a:buChar char="•"/>
+            </a:pPr>
+            <a:r>
+              <a:rPr lang="en-US" dirty="0" smtClean="0"/>
+              <a:t>Yokohama</a:t>
+            </a:r>
+          </a:p>
+          <a:p>
+            <a:pPr marL="177800" indent="-177800">
+              <a:buFont typeface="Arial" panose="020B0604020202020204" pitchFamily="34" charset="0"/>
+              <a:buChar char="•"/>
+            </a:pPr>
+            <a:r>
+              <a:rPr lang="en-US" dirty="0" smtClean="0"/>
+              <a:t>BDI</a:t>
+            </a:r>
             <a:endParaRPr lang="en-US" dirty="0"/>
           </a:p>
         </p:txBody>

--- a/admin/timeline.pptx
+++ b/admin/timeline.pptx
@@ -2069,7 +2069,7 @@
         <p:spPr>
           <a:xfrm>
             <a:off x="-5439" y="1484784"/>
-            <a:ext cx="2964664" cy="1800200"/>
+            <a:ext cx="2964664" cy="1584176"/>
           </a:xfrm>
           <a:prstGeom prst="rect">
             <a:avLst/>
@@ -2119,11 +2119,7 @@
             </a:r>
             <a:r>
               <a:rPr lang="en-US" sz="1300" dirty="0" smtClean="0"/>
-              <a:t> </a:t>
-            </a:r>
-            <a:r>
-              <a:rPr lang="en-US" sz="1300" dirty="0" smtClean="0"/>
-              <a:t>Modules </a:t>
+              <a:t> Modules </a:t>
             </a:r>
             <a:r>
               <a:rPr lang="en-US" sz="1300" dirty="0" smtClean="0">
@@ -2131,15 +2127,7 @@
                   <a:srgbClr val="FF0000"/>
                 </a:solidFill>
               </a:rPr>
-              <a:t>(Nagel</a:t>
-            </a:r>
-            <a:r>
-              <a:rPr lang="en-US" sz="1300" dirty="0" smtClean="0">
-                <a:solidFill>
-                  <a:srgbClr val="FF0000"/>
-                </a:solidFill>
-              </a:rPr>
-              <a:t>)</a:t>
+              <a:t>(Nagel)</a:t>
             </a:r>
             <a:endParaRPr lang="en-US" sz="1300" dirty="0" smtClean="0"/>
           </a:p>
@@ -2199,18 +2187,9 @@
             </a:pPr>
             <a:r>
               <a:rPr lang="en-US" dirty="0" smtClean="0"/>
-              <a:t>SF Bay Area</a:t>
-            </a:r>
-          </a:p>
-          <a:p>
-            <a:pPr marL="177800" indent="-177800">
-              <a:buFont typeface="Arial" panose="020B0604020202020204" pitchFamily="34" charset="0"/>
-              <a:buChar char="•"/>
-            </a:pPr>
-            <a:r>
-              <a:rPr lang="en-US" dirty="0" smtClean="0"/>
               <a:t>Yokohama</a:t>
             </a:r>
+            <a:endParaRPr lang="en-US" dirty="0" smtClean="0"/>
           </a:p>
           <a:p>
             <a:pPr marL="177800" indent="-177800">

--- a/admin/timeline.pptx
+++ b/admin/timeline.pptx
@@ -2121,49 +2121,6 @@
               <a:rPr lang="en-US" sz="1300" dirty="0" smtClean="0"/>
               <a:t> Modules </a:t>
             </a:r>
-            <a:r>
-              <a:rPr lang="en-US" sz="1300" dirty="0" smtClean="0">
-                <a:solidFill>
-                  <a:srgbClr val="FF0000"/>
-                </a:solidFill>
-              </a:rPr>
-              <a:t>(Nagel)</a:t>
-            </a:r>
-            <a:endParaRPr lang="en-US" sz="1300" dirty="0" smtClean="0"/>
-          </a:p>
-          <a:p>
-            <a:pPr marL="177800" indent="-177800">
-              <a:buFont typeface="Arial" panose="020B0604020202020204" pitchFamily="34" charset="0"/>
-              <a:buChar char="•"/>
-            </a:pPr>
-            <a:r>
-              <a:rPr lang="en-US" dirty="0" smtClean="0"/>
-              <a:t>Res. Avenues </a:t>
-            </a:r>
-            <a:r>
-              <a:rPr lang="en-US" sz="1300" dirty="0" smtClean="0">
-                <a:solidFill>
-                  <a:srgbClr val="FF0000"/>
-                </a:solidFill>
-              </a:rPr>
-              <a:t>(</a:t>
-            </a:r>
-            <a:r>
-              <a:rPr lang="en-US" sz="1300" dirty="0">
-                <a:solidFill>
-                  <a:srgbClr val="FF0000"/>
-                </a:solidFill>
-              </a:rPr>
-              <a:t>N</a:t>
-            </a:r>
-            <a:r>
-              <a:rPr lang="en-US" sz="1300" dirty="0" smtClean="0">
-                <a:solidFill>
-                  <a:srgbClr val="FF0000"/>
-                </a:solidFill>
-              </a:rPr>
-              <a:t>agel, Axhausen)</a:t>
-            </a:r>
             <a:endParaRPr lang="en-US" sz="1300" dirty="0">
               <a:solidFill>
                 <a:srgbClr val="FF0000"/>
@@ -2177,8 +2134,28 @@
             </a:pPr>
             <a:r>
               <a:rPr lang="en-US" dirty="0" smtClean="0"/>
+              <a:t>Res</a:t>
+            </a:r>
+            <a:r>
+              <a:rPr lang="en-US" dirty="0" smtClean="0"/>
+              <a:t>. </a:t>
+            </a:r>
+            <a:r>
+              <a:rPr lang="en-US" smtClean="0"/>
+              <a:t>Avenues </a:t>
+            </a:r>
+            <a:endParaRPr lang="en-US" smtClean="0"/>
+          </a:p>
+          <a:p>
+            <a:pPr marL="177800" indent="-177800">
+              <a:buFont typeface="Arial" panose="020B0604020202020204" pitchFamily="34" charset="0"/>
+              <a:buChar char="•"/>
+            </a:pPr>
+            <a:r>
+              <a:rPr lang="en-US" smtClean="0"/>
               <a:t>Tampa</a:t>
             </a:r>
+            <a:endParaRPr lang="en-US" dirty="0" smtClean="0"/>
           </a:p>
           <a:p>
             <a:pPr marL="177800" indent="-177800">
@@ -2189,7 +2166,6 @@
               <a:rPr lang="en-US" dirty="0" smtClean="0"/>
               <a:t>Yokohama</a:t>
             </a:r>
-            <a:endParaRPr lang="en-US" dirty="0" smtClean="0"/>
           </a:p>
           <a:p>
             <a:pPr marL="177800" indent="-177800">

--- a/admin/timeline.pptx
+++ b/admin/timeline.pptx
@@ -2069,7 +2069,7 @@
         <p:spPr>
           <a:xfrm>
             <a:off x="-5439" y="1484784"/>
-            <a:ext cx="2964664" cy="1584176"/>
+            <a:ext cx="2964664" cy="1512168"/>
           </a:xfrm>
           <a:prstGeom prst="rect">
             <a:avLst/>
@@ -2102,24 +2102,11 @@
           <a:p>
             <a:r>
               <a:rPr lang="en-US" sz="1300" dirty="0" smtClean="0"/>
-              <a:t>Missing Items:</a:t>
-            </a:r>
-          </a:p>
-          <a:p>
-            <a:endParaRPr lang="en-US" sz="1300" dirty="0" smtClean="0"/>
-          </a:p>
-          <a:p>
-            <a:pPr marL="177800" indent="-177800">
-              <a:buFont typeface="Arial" panose="020B0604020202020204" pitchFamily="34" charset="0"/>
-              <a:buChar char="•"/>
-            </a:pPr>
-            <a:r>
-              <a:rPr lang="en-US" sz="1300" dirty="0" err="1" smtClean="0"/>
-              <a:t>Misc</a:t>
+              <a:t>Missing Items</a:t>
             </a:r>
             <a:r>
               <a:rPr lang="en-US" sz="1300" dirty="0" smtClean="0"/>
-              <a:t> Modules </a:t>
+              <a:t>:</a:t>
             </a:r>
             <a:endParaRPr lang="en-US" sz="1300" dirty="0">
               <a:solidFill>
@@ -2134,26 +2121,11 @@
             </a:pPr>
             <a:r>
               <a:rPr lang="en-US" dirty="0" smtClean="0"/>
-              <a:t>Res</a:t>
+              <a:t>BDI</a:t>
             </a:r>
             <a:r>
               <a:rPr lang="en-US" dirty="0" smtClean="0"/>
-              <a:t>. </a:t>
-            </a:r>
-            <a:r>
-              <a:rPr lang="en-US" smtClean="0"/>
-              <a:t>Avenues </a:t>
-            </a:r>
-            <a:endParaRPr lang="en-US" smtClean="0"/>
-          </a:p>
-          <a:p>
-            <a:pPr marL="177800" indent="-177800">
-              <a:buFont typeface="Arial" panose="020B0604020202020204" pitchFamily="34" charset="0"/>
-              <a:buChar char="•"/>
-            </a:pPr>
-            <a:r>
-              <a:rPr lang="en-US" smtClean="0"/>
-              <a:t>Tampa</a:t>
+              <a:t> </a:t>
             </a:r>
             <a:endParaRPr lang="en-US" dirty="0" smtClean="0"/>
           </a:p>
@@ -2162,21 +2134,46 @@
               <a:buFont typeface="Arial" panose="020B0604020202020204" pitchFamily="34" charset="0"/>
               <a:buChar char="•"/>
             </a:pPr>
+            <a:endParaRPr lang="en-US" dirty="0"/>
+          </a:p>
+          <a:p>
             <a:r>
               <a:rPr lang="en-US" dirty="0" smtClean="0"/>
-              <a:t>Yokohama</a:t>
+              <a:t>Maybes:</a:t>
             </a:r>
           </a:p>
           <a:p>
-            <a:pPr marL="177800" indent="-177800">
+            <a:pPr marL="285750" indent="-285750">
+              <a:buFont typeface="Arial" panose="020B0604020202020204" pitchFamily="34" charset="0"/>
+              <a:buChar char="•"/>
+            </a:pPr>
+            <a:r>
+              <a:rPr lang="en-US" smtClean="0"/>
+              <a:t>D-Scenario </a:t>
+            </a:r>
+            <a:r>
+              <a:rPr lang="en-US" dirty="0" smtClean="0"/>
+              <a:t>(</a:t>
+            </a:r>
+            <a:r>
+              <a:rPr lang="en-US" dirty="0" err="1" smtClean="0"/>
+              <a:t>Illenberger</a:t>
+            </a:r>
+            <a:r>
+              <a:rPr lang="en-US" dirty="0" smtClean="0"/>
+              <a:t>)</a:t>
+            </a:r>
+          </a:p>
+          <a:p>
+            <a:pPr marL="285750" indent="-285750">
               <a:buFont typeface="Arial" panose="020B0604020202020204" pitchFamily="34" charset="0"/>
               <a:buChar char="•"/>
             </a:pPr>
             <a:r>
               <a:rPr lang="en-US" dirty="0" smtClean="0"/>
-              <a:t>BDI</a:t>
+              <a:t>Tampa</a:t>
             </a:r>
-            <a:endParaRPr lang="en-US" dirty="0"/>
+            <a:endParaRPr lang="en-US" dirty="0" smtClean="0"/>
           </a:p>
         </p:txBody>
       </p:sp>

--- a/admin/timeline.pptx
+++ b/admin/timeline.pptx
@@ -2069,7 +2069,7 @@
         <p:spPr>
           <a:xfrm>
             <a:off x="-5439" y="1484784"/>
-            <a:ext cx="2964664" cy="1512168"/>
+            <a:ext cx="2964664" cy="1080120"/>
           </a:xfrm>
           <a:prstGeom prst="rect">
             <a:avLst/>
@@ -2102,11 +2102,7 @@
           <a:p>
             <a:r>
               <a:rPr lang="en-US" sz="1300" dirty="0" smtClean="0"/>
-              <a:t>Missing Items</a:t>
-            </a:r>
-            <a:r>
-              <a:rPr lang="en-US" sz="1300" dirty="0" smtClean="0"/>
-              <a:t>:</a:t>
+              <a:t>Missing Items:</a:t>
             </a:r>
             <a:endParaRPr lang="en-US" sz="1300" dirty="0">
               <a:solidFill>
@@ -2119,28 +2115,7 @@
               <a:buFont typeface="Arial" panose="020B0604020202020204" pitchFamily="34" charset="0"/>
               <a:buChar char="•"/>
             </a:pPr>
-            <a:r>
-              <a:rPr lang="en-US" dirty="0" smtClean="0"/>
-              <a:t>BDI</a:t>
-            </a:r>
-            <a:r>
-              <a:rPr lang="en-US" dirty="0" smtClean="0"/>
-              <a:t> </a:t>
-            </a:r>
-            <a:endParaRPr lang="en-US" dirty="0" smtClean="0"/>
-          </a:p>
-          <a:p>
-            <a:pPr marL="177800" indent="-177800">
-              <a:buFont typeface="Arial" panose="020B0604020202020204" pitchFamily="34" charset="0"/>
-              <a:buChar char="•"/>
-            </a:pPr>
             <a:endParaRPr lang="en-US" dirty="0"/>
-          </a:p>
-          <a:p>
-            <a:r>
-              <a:rPr lang="en-US" dirty="0" smtClean="0"/>
-              <a:t>Maybes:</a:t>
-            </a:r>
           </a:p>
           <a:p>
             <a:pPr marL="285750" indent="-285750">
@@ -2148,7 +2123,7 @@
               <a:buChar char="•"/>
             </a:pPr>
             <a:r>
-              <a:rPr lang="en-US" smtClean="0"/>
+              <a:rPr lang="en-US" dirty="0" smtClean="0"/>
               <a:t>D-Scenario </a:t>
             </a:r>
             <a:r>
@@ -2169,10 +2144,6 @@
               <a:buFont typeface="Arial" panose="020B0604020202020204" pitchFamily="34" charset="0"/>
               <a:buChar char="•"/>
             </a:pPr>
-            <a:r>
-              <a:rPr lang="en-US" dirty="0" smtClean="0"/>
-              <a:t>Tampa</a:t>
-            </a:r>
             <a:endParaRPr lang="en-US" dirty="0" smtClean="0"/>
           </a:p>
         </p:txBody>

--- a/admin/timeline.pptx
+++ b/admin/timeline.pptx
@@ -2123,21 +2123,16 @@
               <a:buChar char="•"/>
             </a:pPr>
             <a:r>
-              <a:rPr lang="en-US" dirty="0" smtClean="0"/>
-              <a:t>D-Scenario </a:t>
+              <a:rPr lang="en-US" smtClean="0"/>
+              <a:t>None </a:t>
             </a:r>
             <a:r>
-              <a:rPr lang="en-US" dirty="0" smtClean="0"/>
-              <a:t>(</a:t>
+              <a:rPr lang="en-US" smtClean="0">
+                <a:sym typeface="Wingdings" panose="05000000000000000000" pitchFamily="2" charset="2"/>
+              </a:rPr>
+              <a:t></a:t>
             </a:r>
-            <a:r>
-              <a:rPr lang="en-US" dirty="0" err="1" smtClean="0"/>
-              <a:t>Illenberger</a:t>
-            </a:r>
-            <a:r>
-              <a:rPr lang="en-US" dirty="0" smtClean="0"/>
-              <a:t>)</a:t>
-            </a:r>
+            <a:endParaRPr lang="en-US" dirty="0" smtClean="0"/>
           </a:p>
           <a:p>
             <a:pPr marL="285750" indent="-285750">
